--- a/doc/report.pptx
+++ b/doc/report.pptx
@@ -7,6 +7,16 @@
   <p:sldIdLst>
     <p:sldId id="256" r:id="rId2"/>
     <p:sldId id="257" r:id="rId3"/>
+    <p:sldId id="258" r:id="rId4"/>
+    <p:sldId id="259" r:id="rId5"/>
+    <p:sldId id="260" r:id="rId6"/>
+    <p:sldId id="261" r:id="rId7"/>
+    <p:sldId id="262" r:id="rId8"/>
+    <p:sldId id="266" r:id="rId9"/>
+    <p:sldId id="263" r:id="rId10"/>
+    <p:sldId id="264" r:id="rId11"/>
+    <p:sldId id="265" r:id="rId12"/>
+    <p:sldId id="267" r:id="rId13"/>
   </p:sldIdLst>
   <p:sldSz cx="12192000" cy="6858000"/>
   <p:notesSz cx="6858000" cy="9144000"/>
@@ -105,6 +115,11 @@
       </a:defRPr>
     </a:lvl9pPr>
   </p:defaultTextStyle>
+  <p:extLst>
+    <p:ext uri="{EFAFB233-063F-42B5-8137-9DF3F51BA10A}">
+      <p15:sldGuideLst xmlns:p15="http://schemas.microsoft.com/office/powerpoint/2012/main"/>
+    </p:ext>
+  </p:extLst>
 </p:presentation>
 </file>
 
@@ -2988,37 +3003,37 @@
           <a:lstStyle/>
           <a:p>
             <a:r>
-              <a:rPr lang="zh-CN" altLang="en-US" sz="4800" dirty="0" smtClean="0"/>
+              <a:rPr lang="zh-CN" altLang="en-US" sz="4800" dirty="0" smtClean="0">
+                <a:latin typeface="黑体" panose="02010609060101010101" pitchFamily="49" charset="-122"/>
+                <a:ea typeface="黑体" panose="02010609060101010101" pitchFamily="49" charset="-122"/>
+              </a:rPr>
               <a:t>基于</a:t>
             </a:r>
             <a:r>
-              <a:rPr lang="en-US" altLang="zh-CN" sz="4800" dirty="0" smtClean="0"/>
+              <a:rPr lang="en-US" altLang="zh-CN" sz="4800" dirty="0" smtClean="0">
+                <a:latin typeface="黑体" panose="02010609060101010101" pitchFamily="49" charset="-122"/>
+                <a:ea typeface="黑体" panose="02010609060101010101" pitchFamily="49" charset="-122"/>
+              </a:rPr>
               <a:t>LSTM-RNN</a:t>
             </a:r>
             <a:r>
-              <a:rPr lang="zh-CN" altLang="en-US" sz="4800" dirty="0" smtClean="0"/>
-              <a:t>的股票预测系统</a:t>
-            </a:r>
-            <a:endParaRPr lang="en-US" sz="4800" dirty="0"/>
-          </a:p>
-        </p:txBody>
-      </p:sp>
-      <p:sp>
-        <p:nvSpPr>
-          <p:cNvPr id="3" name="Subtitle 2"/>
-          <p:cNvSpPr>
-            <a:spLocks noGrp="1"/>
-          </p:cNvSpPr>
-          <p:nvPr>
-            <p:ph type="subTitle" idx="1"/>
-          </p:nvPr>
-        </p:nvSpPr>
-        <p:spPr/>
-        <p:txBody>
-          <a:bodyPr/>
-          <a:lstStyle/>
-          <a:p>
-            <a:endParaRPr lang="en-US" dirty="0"/>
+              <a:rPr lang="zh-CN" altLang="en-US" sz="4800" dirty="0" smtClean="0">
+                <a:latin typeface="黑体" panose="02010609060101010101" pitchFamily="49" charset="-122"/>
+                <a:ea typeface="黑体" panose="02010609060101010101" pitchFamily="49" charset="-122"/>
+              </a:rPr>
+              <a:t>的股票预</a:t>
+            </a:r>
+            <a:r>
+              <a:rPr lang="zh-CN" altLang="en-US" sz="4800" dirty="0" smtClean="0">
+                <a:latin typeface="黑体" panose="02010609060101010101" pitchFamily="49" charset="-122"/>
+                <a:ea typeface="黑体" panose="02010609060101010101" pitchFamily="49" charset="-122"/>
+              </a:rPr>
+              <a:t>测研究</a:t>
+            </a:r>
+            <a:endParaRPr lang="en-US" sz="4800" dirty="0">
+              <a:latin typeface="黑体" panose="02010609060101010101" pitchFamily="49" charset="-122"/>
+              <a:ea typeface="黑体" panose="02010609060101010101" pitchFamily="49" charset="-122"/>
+            </a:endParaRPr>
           </a:p>
         </p:txBody>
       </p:sp>
@@ -3026,6 +3041,436 @@
     <p:extLst>
       <p:ext uri="{BB962C8B-B14F-4D97-AF65-F5344CB8AC3E}">
         <p14:creationId xmlns:p14="http://schemas.microsoft.com/office/powerpoint/2010/main" val="2438682311"/>
+      </p:ext>
+    </p:extLst>
+  </p:cSld>
+  <p:clrMapOvr>
+    <a:masterClrMapping/>
+  </p:clrMapOvr>
+</p:sld>
+</file>
+
+<file path=ppt/slides/slide10.xml><?xml version="1.0" encoding="utf-8"?>
+<p:sld xmlns:a="http://schemas.openxmlformats.org/drawingml/2006/main" xmlns:r="http://schemas.openxmlformats.org/officeDocument/2006/relationships" xmlns:p="http://schemas.openxmlformats.org/presentationml/2006/main">
+  <p:cSld>
+    <p:spTree>
+      <p:nvGrpSpPr>
+        <p:cNvPr id="1" name=""/>
+        <p:cNvGrpSpPr/>
+        <p:nvPr/>
+      </p:nvGrpSpPr>
+      <p:grpSpPr>
+        <a:xfrm>
+          <a:off x="0" y="0"/>
+          <a:ext cx="0" cy="0"/>
+          <a:chOff x="0" y="0"/>
+          <a:chExt cx="0" cy="0"/>
+        </a:xfrm>
+      </p:grpSpPr>
+      <p:cxnSp>
+        <p:nvCxnSpPr>
+          <p:cNvPr id="4" name="Straight Connector 3"/>
+          <p:cNvCxnSpPr/>
+          <p:nvPr/>
+        </p:nvCxnSpPr>
+        <p:spPr>
+          <a:xfrm>
+            <a:off x="732692" y="1087897"/>
+            <a:ext cx="10568354" cy="0"/>
+          </a:xfrm>
+          <a:prstGeom prst="line">
+            <a:avLst/>
+          </a:prstGeom>
+        </p:spPr>
+        <p:style>
+          <a:lnRef idx="1">
+            <a:schemeClr val="dk1"/>
+          </a:lnRef>
+          <a:fillRef idx="0">
+            <a:schemeClr val="dk1"/>
+          </a:fillRef>
+          <a:effectRef idx="0">
+            <a:schemeClr val="dk1"/>
+          </a:effectRef>
+          <a:fontRef idx="minor">
+            <a:schemeClr val="tx1"/>
+          </a:fontRef>
+        </p:style>
+      </p:cxnSp>
+      <p:sp>
+        <p:nvSpPr>
+          <p:cNvPr id="5" name="Title 1"/>
+          <p:cNvSpPr txBox="1">
+            <a:spLocks/>
+          </p:cNvSpPr>
+          <p:nvPr/>
+        </p:nvSpPr>
+        <p:spPr>
+          <a:xfrm>
+            <a:off x="785446" y="3663"/>
+            <a:ext cx="10515600" cy="1325563"/>
+          </a:xfrm>
+          <a:prstGeom prst="rect">
+            <a:avLst/>
+          </a:prstGeom>
+        </p:spPr>
+        <p:txBody>
+          <a:bodyPr vert="horz" lIns="91440" tIns="45720" rIns="91440" bIns="45720" rtlCol="0" anchor="ctr">
+            <a:normAutofit/>
+          </a:bodyPr>
+          <a:lstStyle>
+            <a:lvl1pPr algn="l" defTabSz="914400" rtl="0" eaLnBrk="1" latinLnBrk="0" hangingPunct="1">
+              <a:lnSpc>
+                <a:spcPct val="90000"/>
+              </a:lnSpc>
+              <a:spcBef>
+                <a:spcPct val="0"/>
+              </a:spcBef>
+              <a:buNone/>
+              <a:defRPr sz="4400" kern="1200">
+                <a:solidFill>
+                  <a:schemeClr val="tx1"/>
+                </a:solidFill>
+                <a:latin typeface="+mj-lt"/>
+                <a:ea typeface="+mj-ea"/>
+                <a:cs typeface="+mj-cs"/>
+              </a:defRPr>
+            </a:lvl1pPr>
+          </a:lstStyle>
+          <a:p>
+            <a:r>
+              <a:rPr lang="zh-CN" altLang="en-US" sz="4000" dirty="0" smtClean="0">
+                <a:latin typeface="黑体" panose="02010609060101010101" pitchFamily="49" charset="-122"/>
+                <a:ea typeface="黑体" panose="02010609060101010101" pitchFamily="49" charset="-122"/>
+              </a:rPr>
+              <a:t>结果</a:t>
+            </a:r>
+            <a:endParaRPr lang="en-US" sz="4000" dirty="0">
+              <a:latin typeface="黑体" panose="02010609060101010101" pitchFamily="49" charset="-122"/>
+              <a:ea typeface="黑体" panose="02010609060101010101" pitchFamily="49" charset="-122"/>
+            </a:endParaRPr>
+          </a:p>
+        </p:txBody>
+      </p:sp>
+      <p:pic>
+        <p:nvPicPr>
+          <p:cNvPr id="7" name="Picture 6"/>
+          <p:cNvPicPr>
+            <a:picLocks noChangeAspect="1"/>
+          </p:cNvPicPr>
+          <p:nvPr/>
+        </p:nvPicPr>
+        <p:blipFill>
+          <a:blip r:embed="rId2">
+            <a:extLst>
+              <a:ext uri="{28A0092B-C50C-407E-A947-70E740481C1C}">
+                <a14:useLocalDpi xmlns:a14="http://schemas.microsoft.com/office/drawing/2010/main" val="0"/>
+              </a:ext>
+            </a:extLst>
+          </a:blip>
+          <a:stretch>
+            <a:fillRect/>
+          </a:stretch>
+        </p:blipFill>
+        <p:spPr>
+          <a:xfrm>
+            <a:off x="2540976" y="1329226"/>
+            <a:ext cx="6213642" cy="4674795"/>
+          </a:xfrm>
+          <a:prstGeom prst="rect">
+            <a:avLst/>
+          </a:prstGeom>
+        </p:spPr>
+      </p:pic>
+      <p:pic>
+        <p:nvPicPr>
+          <p:cNvPr id="6" name="Picture 5"/>
+          <p:cNvPicPr>
+            <a:picLocks noChangeAspect="1"/>
+          </p:cNvPicPr>
+          <p:nvPr/>
+        </p:nvPicPr>
+        <p:blipFill>
+          <a:blip r:embed="rId3">
+            <a:extLst>
+              <a:ext uri="{28A0092B-C50C-407E-A947-70E740481C1C}">
+                <a14:useLocalDpi xmlns:a14="http://schemas.microsoft.com/office/drawing/2010/main" val="0"/>
+              </a:ext>
+            </a:extLst>
+          </a:blip>
+          <a:stretch>
+            <a:fillRect/>
+          </a:stretch>
+        </p:blipFill>
+        <p:spPr>
+          <a:xfrm>
+            <a:off x="1973872" y="1343789"/>
+            <a:ext cx="8138747" cy="4660232"/>
+          </a:xfrm>
+          <a:prstGeom prst="rect">
+            <a:avLst/>
+          </a:prstGeom>
+        </p:spPr>
+      </p:pic>
+    </p:spTree>
+    <p:extLst>
+      <p:ext uri="{BB962C8B-B14F-4D97-AF65-F5344CB8AC3E}">
+        <p14:creationId xmlns:p14="http://schemas.microsoft.com/office/powerpoint/2010/main" val="2046247140"/>
+      </p:ext>
+    </p:extLst>
+  </p:cSld>
+  <p:clrMapOvr>
+    <a:masterClrMapping/>
+  </p:clrMapOvr>
+  <p:timing>
+    <p:tnLst>
+      <p:par>
+        <p:cTn id="1" dur="indefinite" restart="never" nodeType="tmRoot"/>
+      </p:par>
+    </p:tnLst>
+  </p:timing>
+</p:sld>
+</file>
+
+<file path=ppt/slides/slide11.xml><?xml version="1.0" encoding="utf-8"?>
+<p:sld xmlns:a="http://schemas.openxmlformats.org/drawingml/2006/main" xmlns:r="http://schemas.openxmlformats.org/officeDocument/2006/relationships" xmlns:p="http://schemas.openxmlformats.org/presentationml/2006/main">
+  <p:cSld>
+    <p:spTree>
+      <p:nvGrpSpPr>
+        <p:cNvPr id="1" name=""/>
+        <p:cNvGrpSpPr/>
+        <p:nvPr/>
+      </p:nvGrpSpPr>
+      <p:grpSpPr>
+        <a:xfrm>
+          <a:off x="0" y="0"/>
+          <a:ext cx="0" cy="0"/>
+          <a:chOff x="0" y="0"/>
+          <a:chExt cx="0" cy="0"/>
+        </a:xfrm>
+      </p:grpSpPr>
+      <p:pic>
+        <p:nvPicPr>
+          <p:cNvPr id="8" name="Picture 7"/>
+          <p:cNvPicPr>
+            <a:picLocks noChangeAspect="1"/>
+          </p:cNvPicPr>
+          <p:nvPr/>
+        </p:nvPicPr>
+        <p:blipFill>
+          <a:blip r:embed="rId2">
+            <a:extLst>
+              <a:ext uri="{28A0092B-C50C-407E-A947-70E740481C1C}">
+                <a14:useLocalDpi xmlns:a14="http://schemas.microsoft.com/office/drawing/2010/main" val="0"/>
+              </a:ext>
+            </a:extLst>
+          </a:blip>
+          <a:stretch>
+            <a:fillRect/>
+          </a:stretch>
+        </p:blipFill>
+        <p:spPr>
+          <a:xfrm>
+            <a:off x="1973872" y="1343789"/>
+            <a:ext cx="8138747" cy="4660232"/>
+          </a:xfrm>
+          <a:prstGeom prst="rect">
+            <a:avLst/>
+          </a:prstGeom>
+        </p:spPr>
+      </p:pic>
+      <p:cxnSp>
+        <p:nvCxnSpPr>
+          <p:cNvPr id="4" name="Straight Connector 3"/>
+          <p:cNvCxnSpPr/>
+          <p:nvPr/>
+        </p:nvCxnSpPr>
+        <p:spPr>
+          <a:xfrm>
+            <a:off x="732692" y="1087897"/>
+            <a:ext cx="10568354" cy="0"/>
+          </a:xfrm>
+          <a:prstGeom prst="line">
+            <a:avLst/>
+          </a:prstGeom>
+        </p:spPr>
+        <p:style>
+          <a:lnRef idx="1">
+            <a:schemeClr val="dk1"/>
+          </a:lnRef>
+          <a:fillRef idx="0">
+            <a:schemeClr val="dk1"/>
+          </a:fillRef>
+          <a:effectRef idx="0">
+            <a:schemeClr val="dk1"/>
+          </a:effectRef>
+          <a:fontRef idx="minor">
+            <a:schemeClr val="tx1"/>
+          </a:fontRef>
+        </p:style>
+      </p:cxnSp>
+      <p:sp>
+        <p:nvSpPr>
+          <p:cNvPr id="5" name="Title 1"/>
+          <p:cNvSpPr txBox="1">
+            <a:spLocks/>
+          </p:cNvSpPr>
+          <p:nvPr/>
+        </p:nvSpPr>
+        <p:spPr>
+          <a:xfrm>
+            <a:off x="785446" y="3663"/>
+            <a:ext cx="10515600" cy="1325563"/>
+          </a:xfrm>
+          <a:prstGeom prst="rect">
+            <a:avLst/>
+          </a:prstGeom>
+        </p:spPr>
+        <p:txBody>
+          <a:bodyPr vert="horz" lIns="91440" tIns="45720" rIns="91440" bIns="45720" rtlCol="0" anchor="ctr">
+            <a:normAutofit/>
+          </a:bodyPr>
+          <a:lstStyle>
+            <a:lvl1pPr algn="l" defTabSz="914400" rtl="0" eaLnBrk="1" latinLnBrk="0" hangingPunct="1">
+              <a:lnSpc>
+                <a:spcPct val="90000"/>
+              </a:lnSpc>
+              <a:spcBef>
+                <a:spcPct val="0"/>
+              </a:spcBef>
+              <a:buNone/>
+              <a:defRPr sz="4400" kern="1200">
+                <a:solidFill>
+                  <a:schemeClr val="tx1"/>
+                </a:solidFill>
+                <a:latin typeface="+mj-lt"/>
+                <a:ea typeface="+mj-ea"/>
+                <a:cs typeface="+mj-cs"/>
+              </a:defRPr>
+            </a:lvl1pPr>
+          </a:lstStyle>
+          <a:p>
+            <a:r>
+              <a:rPr lang="zh-CN" altLang="en-US" sz="4000" dirty="0" smtClean="0">
+                <a:latin typeface="黑体" panose="02010609060101010101" pitchFamily="49" charset="-122"/>
+                <a:ea typeface="黑体" panose="02010609060101010101" pitchFamily="49" charset="-122"/>
+              </a:rPr>
+              <a:t>结果</a:t>
+            </a:r>
+            <a:endParaRPr lang="en-US" sz="4000" dirty="0">
+              <a:latin typeface="黑体" panose="02010609060101010101" pitchFamily="49" charset="-122"/>
+              <a:ea typeface="黑体" panose="02010609060101010101" pitchFamily="49" charset="-122"/>
+            </a:endParaRPr>
+          </a:p>
+        </p:txBody>
+      </p:sp>
+      <p:pic>
+        <p:nvPicPr>
+          <p:cNvPr id="6" name="Picture 5"/>
+          <p:cNvPicPr>
+            <a:picLocks noChangeAspect="1"/>
+          </p:cNvPicPr>
+          <p:nvPr/>
+        </p:nvPicPr>
+        <p:blipFill>
+          <a:blip r:embed="rId3">
+            <a:extLst>
+              <a:ext uri="{28A0092B-C50C-407E-A947-70E740481C1C}">
+                <a14:useLocalDpi xmlns:a14="http://schemas.microsoft.com/office/drawing/2010/main" val="0"/>
+              </a:ext>
+            </a:extLst>
+          </a:blip>
+          <a:stretch>
+            <a:fillRect/>
+          </a:stretch>
+        </p:blipFill>
+        <p:spPr>
+          <a:xfrm>
+            <a:off x="1973872" y="1353893"/>
+            <a:ext cx="8138747" cy="4664691"/>
+          </a:xfrm>
+          <a:prstGeom prst="rect">
+            <a:avLst/>
+          </a:prstGeom>
+        </p:spPr>
+      </p:pic>
+    </p:spTree>
+    <p:extLst>
+      <p:ext uri="{BB962C8B-B14F-4D97-AF65-F5344CB8AC3E}">
+        <p14:creationId xmlns:p14="http://schemas.microsoft.com/office/powerpoint/2010/main" val="3945650447"/>
+      </p:ext>
+    </p:extLst>
+  </p:cSld>
+  <p:clrMapOvr>
+    <a:masterClrMapping/>
+  </p:clrMapOvr>
+  <p:timing>
+    <p:tnLst>
+      <p:par>
+        <p:cTn id="1" dur="indefinite" restart="never" nodeType="tmRoot"/>
+      </p:par>
+    </p:tnLst>
+  </p:timing>
+</p:sld>
+</file>
+
+<file path=ppt/slides/slide12.xml><?xml version="1.0" encoding="utf-8"?>
+<p:sld xmlns:a="http://schemas.openxmlformats.org/drawingml/2006/main" xmlns:r="http://schemas.openxmlformats.org/officeDocument/2006/relationships" xmlns:p="http://schemas.openxmlformats.org/presentationml/2006/main">
+  <p:cSld>
+    <p:spTree>
+      <p:nvGrpSpPr>
+        <p:cNvPr id="1" name=""/>
+        <p:cNvGrpSpPr/>
+        <p:nvPr/>
+      </p:nvGrpSpPr>
+      <p:grpSpPr>
+        <a:xfrm>
+          <a:off x="0" y="0"/>
+          <a:ext cx="0" cy="0"/>
+          <a:chOff x="0" y="0"/>
+          <a:chExt cx="0" cy="0"/>
+        </a:xfrm>
+      </p:grpSpPr>
+      <p:sp>
+        <p:nvSpPr>
+          <p:cNvPr id="2" name="Title 1"/>
+          <p:cNvSpPr>
+            <a:spLocks noGrp="1"/>
+          </p:cNvSpPr>
+          <p:nvPr>
+            <p:ph type="title"/>
+          </p:nvPr>
+        </p:nvSpPr>
+        <p:spPr>
+          <a:xfrm>
+            <a:off x="5278316" y="2765426"/>
+            <a:ext cx="2309446" cy="1325563"/>
+          </a:xfrm>
+        </p:spPr>
+        <p:txBody>
+          <a:bodyPr>
+            <a:normAutofit/>
+          </a:bodyPr>
+          <a:lstStyle/>
+          <a:p>
+            <a:r>
+              <a:rPr lang="zh-CN" altLang="en-US" sz="4000" dirty="0" smtClean="0">
+                <a:latin typeface="黑体" panose="02010609060101010101" pitchFamily="49" charset="-122"/>
+                <a:ea typeface="黑体" panose="02010609060101010101" pitchFamily="49" charset="-122"/>
+              </a:rPr>
+              <a:t>谢谢！</a:t>
+            </a:r>
+            <a:endParaRPr lang="en-US" sz="4000" dirty="0">
+              <a:latin typeface="黑体" panose="02010609060101010101" pitchFamily="49" charset="-122"/>
+              <a:ea typeface="黑体" panose="02010609060101010101" pitchFamily="49" charset="-122"/>
+            </a:endParaRPr>
+          </a:p>
+        </p:txBody>
+      </p:sp>
+    </p:spTree>
+    <p:extLst>
+      <p:ext uri="{BB962C8B-B14F-4D97-AF65-F5344CB8AC3E}">
+        <p14:creationId xmlns:p14="http://schemas.microsoft.com/office/powerpoint/2010/main" val="1530355267"/>
       </p:ext>
     </p:extLst>
   </p:cSld>
@@ -3064,36 +3509,102 @@
         </p:nvSpPr>
         <p:spPr/>
         <p:txBody>
+          <a:bodyPr>
+            <a:normAutofit/>
+          </a:bodyPr>
+          <a:lstStyle/>
+          <a:p>
+            <a:r>
+              <a:rPr lang="zh-CN" altLang="en-US" sz="4000" dirty="0" smtClean="0">
+                <a:latin typeface="黑体" panose="02010609060101010101" pitchFamily="49" charset="-122"/>
+                <a:ea typeface="黑体" panose="02010609060101010101" pitchFamily="49" charset="-122"/>
+              </a:rPr>
+              <a:t>小组成员及分工</a:t>
+            </a:r>
+            <a:endParaRPr lang="en-US" sz="4000" dirty="0">
+              <a:latin typeface="黑体" panose="02010609060101010101" pitchFamily="49" charset="-122"/>
+              <a:ea typeface="黑体" panose="02010609060101010101" pitchFamily="49" charset="-122"/>
+            </a:endParaRPr>
+          </a:p>
+        </p:txBody>
+      </p:sp>
+      <p:sp>
+        <p:nvSpPr>
+          <p:cNvPr id="3" name="Content Placeholder 2"/>
+          <p:cNvSpPr>
+            <a:spLocks noGrp="1"/>
+          </p:cNvSpPr>
+          <p:nvPr>
+            <p:ph idx="1"/>
+          </p:nvPr>
+        </p:nvSpPr>
+        <p:spPr/>
+        <p:txBody>
           <a:bodyPr/>
           <a:lstStyle/>
           <a:p>
             <a:r>
               <a:rPr lang="zh-CN" altLang="en-US" dirty="0" smtClean="0"/>
-              <a:t>小组成员及分工</a:t>
-            </a:r>
+              <a:t>刘茁，</a:t>
+            </a:r>
+            <a:r>
+              <a:rPr lang="en-US" altLang="zh-CN" dirty="0" smtClean="0"/>
+              <a:t>1500011438</a:t>
+            </a:r>
+            <a:r>
+              <a:rPr lang="zh-CN" altLang="en-US" dirty="0" smtClean="0"/>
+              <a:t>，物理学院</a:t>
+            </a:r>
+            <a:endParaRPr lang="en-US" altLang="zh-CN" dirty="0" smtClean="0"/>
+          </a:p>
+          <a:p>
             <a:endParaRPr lang="en-US" dirty="0"/>
           </a:p>
-        </p:txBody>
-      </p:sp>
-      <p:sp>
-        <p:nvSpPr>
-          <p:cNvPr id="3" name="Content Placeholder 2"/>
-          <p:cNvSpPr>
-            <a:spLocks noGrp="1"/>
-          </p:cNvSpPr>
-          <p:nvPr>
-            <p:ph idx="1"/>
-          </p:nvPr>
-        </p:nvSpPr>
-        <p:spPr/>
-        <p:txBody>
-          <a:bodyPr/>
-          <a:lstStyle/>
+          <a:p>
+            <a:endParaRPr lang="en-US" dirty="0" smtClean="0"/>
+          </a:p>
           <a:p>
             <a:endParaRPr lang="en-US" dirty="0"/>
           </a:p>
-        </p:txBody>
-      </p:sp>
+          <a:p>
+            <a:r>
+              <a:rPr lang="zh-CN" altLang="en-US" dirty="0" smtClean="0"/>
+              <a:t>胡承开</a:t>
+            </a:r>
+            <a:endParaRPr lang="en-US" dirty="0"/>
+          </a:p>
+        </p:txBody>
+      </p:sp>
+      <p:cxnSp>
+        <p:nvCxnSpPr>
+          <p:cNvPr id="5" name="Straight Connector 4"/>
+          <p:cNvCxnSpPr/>
+          <p:nvPr/>
+        </p:nvCxnSpPr>
+        <p:spPr>
+          <a:xfrm>
+            <a:off x="785446" y="1494692"/>
+            <a:ext cx="10568354" cy="0"/>
+          </a:xfrm>
+          <a:prstGeom prst="line">
+            <a:avLst/>
+          </a:prstGeom>
+        </p:spPr>
+        <p:style>
+          <a:lnRef idx="1">
+            <a:schemeClr val="dk1"/>
+          </a:lnRef>
+          <a:fillRef idx="0">
+            <a:schemeClr val="dk1"/>
+          </a:fillRef>
+          <a:effectRef idx="0">
+            <a:schemeClr val="dk1"/>
+          </a:effectRef>
+          <a:fontRef idx="minor">
+            <a:schemeClr val="tx1"/>
+          </a:fontRef>
+        </p:style>
+      </p:cxnSp>
     </p:spTree>
     <p:extLst>
       <p:ext uri="{BB962C8B-B14F-4D97-AF65-F5344CB8AC3E}">
@@ -3104,6 +3615,2490 @@
   <p:clrMapOvr>
     <a:masterClrMapping/>
   </p:clrMapOvr>
+</p:sld>
+</file>
+
+<file path=ppt/slides/slide3.xml><?xml version="1.0" encoding="utf-8"?>
+<p:sld xmlns:a="http://schemas.openxmlformats.org/drawingml/2006/main" xmlns:r="http://schemas.openxmlformats.org/officeDocument/2006/relationships" xmlns:p="http://schemas.openxmlformats.org/presentationml/2006/main">
+  <p:cSld>
+    <p:spTree>
+      <p:nvGrpSpPr>
+        <p:cNvPr id="1" name=""/>
+        <p:cNvGrpSpPr/>
+        <p:nvPr/>
+      </p:nvGrpSpPr>
+      <p:grpSpPr>
+        <a:xfrm>
+          <a:off x="0" y="0"/>
+          <a:ext cx="0" cy="0"/>
+          <a:chOff x="0" y="0"/>
+          <a:chExt cx="0" cy="0"/>
+        </a:xfrm>
+      </p:grpSpPr>
+      <p:sp>
+        <p:nvSpPr>
+          <p:cNvPr id="2" name="Title 1"/>
+          <p:cNvSpPr>
+            <a:spLocks noGrp="1"/>
+          </p:cNvSpPr>
+          <p:nvPr>
+            <p:ph type="title"/>
+          </p:nvPr>
+        </p:nvSpPr>
+        <p:spPr>
+          <a:xfrm>
+            <a:off x="785446" y="3663"/>
+            <a:ext cx="10515600" cy="1325563"/>
+          </a:xfrm>
+        </p:spPr>
+        <p:txBody>
+          <a:bodyPr>
+            <a:normAutofit/>
+          </a:bodyPr>
+          <a:lstStyle/>
+          <a:p>
+            <a:r>
+              <a:rPr lang="zh-CN" altLang="en-US" sz="4000" dirty="0" smtClean="0">
+                <a:latin typeface="黑体" panose="02010609060101010101" pitchFamily="49" charset="-122"/>
+                <a:ea typeface="黑体" panose="02010609060101010101" pitchFamily="49" charset="-122"/>
+              </a:rPr>
+              <a:t>数据</a:t>
+            </a:r>
+            <a:endParaRPr lang="en-US" sz="4000" dirty="0">
+              <a:latin typeface="黑体" panose="02010609060101010101" pitchFamily="49" charset="-122"/>
+              <a:ea typeface="黑体" panose="02010609060101010101" pitchFamily="49" charset="-122"/>
+            </a:endParaRPr>
+          </a:p>
+        </p:txBody>
+      </p:sp>
+      <p:sp>
+        <p:nvSpPr>
+          <p:cNvPr id="3" name="Content Placeholder 2"/>
+          <p:cNvSpPr>
+            <a:spLocks noGrp="1"/>
+          </p:cNvSpPr>
+          <p:nvPr>
+            <p:ph idx="1"/>
+          </p:nvPr>
+        </p:nvSpPr>
+        <p:spPr>
+          <a:xfrm>
+            <a:off x="785446" y="1387338"/>
+            <a:ext cx="4876800" cy="4351338"/>
+          </a:xfrm>
+        </p:spPr>
+        <p:txBody>
+          <a:bodyPr/>
+          <a:lstStyle/>
+          <a:p>
+            <a:pPr>
+              <a:lnSpc>
+                <a:spcPct val="150000"/>
+              </a:lnSpc>
+            </a:pPr>
+            <a:r>
+              <a:rPr lang="zh-CN" altLang="en-US" sz="2000" dirty="0" smtClean="0">
+                <a:latin typeface="+mn-ea"/>
+              </a:rPr>
+              <a:t>使用雅虎财经</a:t>
+            </a:r>
+            <a:r>
+              <a:rPr lang="en-US" altLang="zh-CN" sz="2000" dirty="0" smtClean="0">
+                <a:latin typeface="+mn-ea"/>
+              </a:rPr>
+              <a:t>API</a:t>
+            </a:r>
+            <a:r>
+              <a:rPr lang="zh-CN" altLang="en-US" sz="2000" dirty="0" smtClean="0">
+                <a:latin typeface="+mn-ea"/>
+              </a:rPr>
+              <a:t>获取，以苹果公司</a:t>
+            </a:r>
+            <a:r>
+              <a:rPr lang="en-US" altLang="zh-CN" sz="2000" dirty="0" smtClean="0">
+                <a:latin typeface="+mn-ea"/>
+              </a:rPr>
+              <a:t>2000</a:t>
+            </a:r>
+            <a:r>
+              <a:rPr lang="zh-CN" altLang="en-US" sz="2000" dirty="0">
+                <a:latin typeface="+mn-ea"/>
+              </a:rPr>
+              <a:t>年</a:t>
+            </a:r>
+            <a:r>
+              <a:rPr lang="en-US" altLang="zh-CN" sz="2000" dirty="0">
+                <a:latin typeface="+mn-ea"/>
+              </a:rPr>
+              <a:t>1</a:t>
+            </a:r>
+            <a:r>
+              <a:rPr lang="zh-CN" altLang="en-US" sz="2000" dirty="0">
+                <a:latin typeface="+mn-ea"/>
+              </a:rPr>
+              <a:t>月</a:t>
+            </a:r>
+            <a:r>
+              <a:rPr lang="en-US" altLang="zh-CN" sz="2000" dirty="0">
+                <a:latin typeface="+mn-ea"/>
+              </a:rPr>
+              <a:t>1</a:t>
+            </a:r>
+            <a:r>
+              <a:rPr lang="zh-CN" altLang="en-US" sz="2000" dirty="0">
+                <a:latin typeface="+mn-ea"/>
+              </a:rPr>
+              <a:t>日</a:t>
+            </a:r>
+            <a:r>
+              <a:rPr lang="en-US" altLang="zh-CN" sz="2000" dirty="0">
+                <a:latin typeface="+mn-ea"/>
+              </a:rPr>
+              <a:t>-2019</a:t>
+            </a:r>
+            <a:r>
+              <a:rPr lang="zh-CN" altLang="en-US" sz="2000" dirty="0">
+                <a:latin typeface="+mn-ea"/>
+              </a:rPr>
+              <a:t>年</a:t>
+            </a:r>
+            <a:r>
+              <a:rPr lang="en-US" altLang="zh-CN" sz="2000" dirty="0">
+                <a:latin typeface="+mn-ea"/>
+              </a:rPr>
+              <a:t>1</a:t>
+            </a:r>
+            <a:r>
+              <a:rPr lang="zh-CN" altLang="en-US" sz="2000" dirty="0">
+                <a:latin typeface="+mn-ea"/>
+              </a:rPr>
+              <a:t>月</a:t>
+            </a:r>
+            <a:r>
+              <a:rPr lang="en-US" altLang="zh-CN" sz="2000" dirty="0">
+                <a:latin typeface="+mn-ea"/>
+              </a:rPr>
+              <a:t>1</a:t>
+            </a:r>
+            <a:r>
+              <a:rPr lang="zh-CN" altLang="en-US" sz="2000" dirty="0">
+                <a:latin typeface="+mn-ea"/>
+              </a:rPr>
+              <a:t>日的数据为例。</a:t>
+            </a:r>
+            <a:endParaRPr lang="en-US" altLang="zh-CN" sz="2000" dirty="0">
+              <a:latin typeface="+mn-ea"/>
+            </a:endParaRPr>
+          </a:p>
+          <a:p>
+            <a:pPr>
+              <a:lnSpc>
+                <a:spcPct val="150000"/>
+              </a:lnSpc>
+            </a:pPr>
+            <a:r>
+              <a:rPr lang="zh-CN" altLang="en-US" sz="2000" dirty="0">
+                <a:latin typeface="+mn-ea"/>
+              </a:rPr>
+              <a:t>共</a:t>
+            </a:r>
+            <a:r>
+              <a:rPr lang="en-US" altLang="zh-CN" sz="2000" dirty="0">
+                <a:latin typeface="+mn-ea"/>
+              </a:rPr>
+              <a:t>4884</a:t>
+            </a:r>
+            <a:r>
+              <a:rPr lang="zh-CN" altLang="en-US" sz="2000" dirty="0">
+                <a:latin typeface="+mn-ea"/>
+              </a:rPr>
+              <a:t>个样本，每个样本包括日期、开盘价、最低价、最高价、收盘价、已调整收盘价和成交量</a:t>
+            </a:r>
+            <a:r>
+              <a:rPr lang="zh-CN" altLang="en-US" sz="2000" dirty="0" smtClean="0">
+                <a:latin typeface="+mn-ea"/>
+              </a:rPr>
+              <a:t>。</a:t>
+            </a:r>
+            <a:endParaRPr lang="en-US" altLang="zh-CN" sz="2000" dirty="0">
+              <a:latin typeface="+mn-ea"/>
+            </a:endParaRPr>
+          </a:p>
+        </p:txBody>
+      </p:sp>
+      <p:cxnSp>
+        <p:nvCxnSpPr>
+          <p:cNvPr id="4" name="Straight Connector 3"/>
+          <p:cNvCxnSpPr/>
+          <p:nvPr/>
+        </p:nvCxnSpPr>
+        <p:spPr>
+          <a:xfrm>
+            <a:off x="732692" y="1010952"/>
+            <a:ext cx="10568354" cy="0"/>
+          </a:xfrm>
+          <a:prstGeom prst="line">
+            <a:avLst/>
+          </a:prstGeom>
+        </p:spPr>
+        <p:style>
+          <a:lnRef idx="1">
+            <a:schemeClr val="dk1"/>
+          </a:lnRef>
+          <a:fillRef idx="0">
+            <a:schemeClr val="dk1"/>
+          </a:fillRef>
+          <a:effectRef idx="0">
+            <a:schemeClr val="dk1"/>
+          </a:effectRef>
+          <a:fontRef idx="minor">
+            <a:schemeClr val="tx1"/>
+          </a:fontRef>
+        </p:style>
+      </p:cxnSp>
+      <p:pic>
+        <p:nvPicPr>
+          <p:cNvPr id="5" name="Picture 4"/>
+          <p:cNvPicPr>
+            <a:picLocks noChangeAspect="1"/>
+          </p:cNvPicPr>
+          <p:nvPr/>
+        </p:nvPicPr>
+        <p:blipFill>
+          <a:blip r:embed="rId2" cstate="print">
+            <a:extLst>
+              <a:ext uri="{28A0092B-C50C-407E-A947-70E740481C1C}">
+                <a14:useLocalDpi xmlns:a14="http://schemas.microsoft.com/office/drawing/2010/main" val="0"/>
+              </a:ext>
+            </a:extLst>
+          </a:blip>
+          <a:stretch>
+            <a:fillRect/>
+          </a:stretch>
+        </p:blipFill>
+        <p:spPr>
+          <a:xfrm>
+            <a:off x="1025610" y="3995012"/>
+            <a:ext cx="4009293" cy="2672862"/>
+          </a:xfrm>
+          <a:prstGeom prst="rect">
+            <a:avLst/>
+          </a:prstGeom>
+        </p:spPr>
+      </p:pic>
+      <p:pic>
+        <p:nvPicPr>
+          <p:cNvPr id="6" name="Picture 5"/>
+          <p:cNvPicPr>
+            <a:picLocks noChangeAspect="1"/>
+          </p:cNvPicPr>
+          <p:nvPr/>
+        </p:nvPicPr>
+        <p:blipFill>
+          <a:blip r:embed="rId3" cstate="print">
+            <a:extLst>
+              <a:ext uri="{28A0092B-C50C-407E-A947-70E740481C1C}">
+                <a14:useLocalDpi xmlns:a14="http://schemas.microsoft.com/office/drawing/2010/main" val="0"/>
+              </a:ext>
+            </a:extLst>
+          </a:blip>
+          <a:stretch>
+            <a:fillRect/>
+          </a:stretch>
+        </p:blipFill>
+        <p:spPr>
+          <a:xfrm>
+            <a:off x="5823612" y="3847743"/>
+            <a:ext cx="5893260" cy="2967401"/>
+          </a:xfrm>
+          <a:prstGeom prst="rect">
+            <a:avLst/>
+          </a:prstGeom>
+        </p:spPr>
+      </p:pic>
+      <p:pic>
+        <p:nvPicPr>
+          <p:cNvPr id="7" name="Picture 6"/>
+          <p:cNvPicPr>
+            <a:picLocks noChangeAspect="1"/>
+          </p:cNvPicPr>
+          <p:nvPr/>
+        </p:nvPicPr>
+        <p:blipFill rotWithShape="1">
+          <a:blip r:embed="rId4" cstate="print">
+            <a:extLst>
+              <a:ext uri="{28A0092B-C50C-407E-A947-70E740481C1C}">
+                <a14:useLocalDpi xmlns:a14="http://schemas.microsoft.com/office/drawing/2010/main" val="0"/>
+              </a:ext>
+            </a:extLst>
+          </a:blip>
+          <a:srcRect l="303" t="5998" r="112" b="1479"/>
+          <a:stretch/>
+        </p:blipFill>
+        <p:spPr>
+          <a:xfrm>
+            <a:off x="5823612" y="1044489"/>
+            <a:ext cx="5893260" cy="2803254"/>
+          </a:xfrm>
+          <a:prstGeom prst="rect">
+            <a:avLst/>
+          </a:prstGeom>
+        </p:spPr>
+      </p:pic>
+    </p:spTree>
+    <p:extLst>
+      <p:ext uri="{BB962C8B-B14F-4D97-AF65-F5344CB8AC3E}">
+        <p14:creationId xmlns:p14="http://schemas.microsoft.com/office/powerpoint/2010/main" val="188810447"/>
+      </p:ext>
+    </p:extLst>
+  </p:cSld>
+  <p:clrMapOvr>
+    <a:masterClrMapping/>
+  </p:clrMapOvr>
+</p:sld>
+</file>
+
+<file path=ppt/slides/slide4.xml><?xml version="1.0" encoding="utf-8"?>
+<p:sld xmlns:a="http://schemas.openxmlformats.org/drawingml/2006/main" xmlns:r="http://schemas.openxmlformats.org/officeDocument/2006/relationships" xmlns:p="http://schemas.openxmlformats.org/presentationml/2006/main">
+  <p:cSld>
+    <p:spTree>
+      <p:nvGrpSpPr>
+        <p:cNvPr id="1" name=""/>
+        <p:cNvGrpSpPr/>
+        <p:nvPr/>
+      </p:nvGrpSpPr>
+      <p:grpSpPr>
+        <a:xfrm>
+          <a:off x="0" y="0"/>
+          <a:ext cx="0" cy="0"/>
+          <a:chOff x="0" y="0"/>
+          <a:chExt cx="0" cy="0"/>
+        </a:xfrm>
+      </p:grpSpPr>
+      <p:sp>
+        <p:nvSpPr>
+          <p:cNvPr id="3" name="Content Placeholder 2"/>
+          <p:cNvSpPr>
+            <a:spLocks noGrp="1"/>
+          </p:cNvSpPr>
+          <p:nvPr>
+            <p:ph idx="1"/>
+          </p:nvPr>
+        </p:nvSpPr>
+        <p:spPr>
+          <a:xfrm>
+            <a:off x="785446" y="1329225"/>
+            <a:ext cx="4189966" cy="5209597"/>
+          </a:xfrm>
+        </p:spPr>
+        <p:txBody>
+          <a:bodyPr>
+            <a:normAutofit/>
+          </a:bodyPr>
+          <a:lstStyle/>
+          <a:p>
+            <a:pPr>
+              <a:lnSpc>
+                <a:spcPct val="150000"/>
+              </a:lnSpc>
+            </a:pPr>
+            <a:r>
+              <a:rPr lang="zh-CN" altLang="en-US" sz="2000" dirty="0" smtClean="0">
+                <a:latin typeface="+mn-ea"/>
+              </a:rPr>
+              <a:t>采用</a:t>
+            </a:r>
+            <a:r>
+              <a:rPr lang="en-US" altLang="zh-CN" sz="2000" dirty="0" smtClean="0">
+                <a:latin typeface="+mn-ea"/>
+              </a:rPr>
+              <a:t>M-</a:t>
+            </a:r>
+            <a:r>
+              <a:rPr lang="zh-CN" altLang="en-US" sz="2000" dirty="0" smtClean="0">
+                <a:latin typeface="+mn-ea"/>
+              </a:rPr>
+              <a:t>带小波变换的方法平滑训练部分的数据</a:t>
+            </a:r>
+            <a:endParaRPr lang="en-US" altLang="zh-CN" sz="2000" dirty="0" smtClean="0">
+              <a:latin typeface="+mn-ea"/>
+            </a:endParaRPr>
+          </a:p>
+          <a:p>
+            <a:pPr>
+              <a:lnSpc>
+                <a:spcPct val="150000"/>
+              </a:lnSpc>
+            </a:pPr>
+            <a:r>
+              <a:rPr lang="zh-CN" altLang="en-US" sz="2000" dirty="0" smtClean="0">
+                <a:latin typeface="+mn-ea"/>
+              </a:rPr>
+              <a:t>去除一个标准差以外的数据</a:t>
+            </a:r>
+            <a:endParaRPr lang="en-US" altLang="zh-CN" sz="2000" dirty="0" smtClean="0">
+              <a:latin typeface="+mn-ea"/>
+            </a:endParaRPr>
+          </a:p>
+          <a:p>
+            <a:pPr>
+              <a:lnSpc>
+                <a:spcPct val="150000"/>
+              </a:lnSpc>
+            </a:pPr>
+            <a:r>
+              <a:rPr lang="zh-CN" altLang="en-US" sz="2000" dirty="0">
+                <a:latin typeface="+mn-ea"/>
+              </a:rPr>
+              <a:t>使</a:t>
+            </a:r>
+            <a:r>
+              <a:rPr lang="zh-CN" altLang="en-US" sz="2000" dirty="0" smtClean="0">
+                <a:latin typeface="+mn-ea"/>
+              </a:rPr>
+              <a:t>用新的系数生成平滑后的数据</a:t>
+            </a:r>
+            <a:endParaRPr lang="en-US" altLang="zh-CN" sz="2000" dirty="0" smtClean="0">
+              <a:latin typeface="+mn-ea"/>
+            </a:endParaRPr>
+          </a:p>
+          <a:p>
+            <a:pPr>
+              <a:lnSpc>
+                <a:spcPct val="150000"/>
+              </a:lnSpc>
+            </a:pPr>
+            <a:r>
+              <a:rPr lang="zh-CN" altLang="en-US" sz="2000" dirty="0" smtClean="0">
+                <a:latin typeface="+mn-ea"/>
+              </a:rPr>
+              <a:t>用数据的前</a:t>
+            </a:r>
+            <a:r>
+              <a:rPr lang="en-US" altLang="zh-CN" sz="2000" dirty="0" smtClean="0">
+                <a:latin typeface="+mn-ea"/>
+              </a:rPr>
+              <a:t>1/4</a:t>
+            </a:r>
+            <a:r>
+              <a:rPr lang="zh-CN" altLang="en-US" sz="2000" dirty="0" smtClean="0">
+                <a:latin typeface="+mn-ea"/>
+              </a:rPr>
+              <a:t>作为自编码器的训练数据，后</a:t>
+            </a:r>
+            <a:r>
+              <a:rPr lang="en-US" altLang="zh-CN" sz="2000" dirty="0" smtClean="0">
+                <a:latin typeface="+mn-ea"/>
+              </a:rPr>
+              <a:t>3/4</a:t>
+            </a:r>
+            <a:r>
+              <a:rPr lang="zh-CN" altLang="en-US" sz="2000" dirty="0" smtClean="0">
+                <a:latin typeface="+mn-ea"/>
+              </a:rPr>
+              <a:t>的前</a:t>
+            </a:r>
+            <a:r>
+              <a:rPr lang="en-US" altLang="zh-CN" sz="2000" dirty="0" smtClean="0">
+                <a:latin typeface="+mn-ea"/>
+              </a:rPr>
+              <a:t>80%</a:t>
+            </a:r>
+            <a:r>
+              <a:rPr lang="zh-CN" altLang="en-US" sz="2000" dirty="0" smtClean="0">
+                <a:latin typeface="+mn-ea"/>
+              </a:rPr>
+              <a:t>为</a:t>
+            </a:r>
+            <a:r>
+              <a:rPr lang="en-US" altLang="zh-CN" sz="2000" dirty="0" smtClean="0">
+                <a:latin typeface="+mn-ea"/>
+              </a:rPr>
+              <a:t>LSTM</a:t>
+            </a:r>
+            <a:r>
+              <a:rPr lang="zh-CN" altLang="en-US" sz="2000" dirty="0" smtClean="0">
+                <a:latin typeface="+mn-ea"/>
+              </a:rPr>
+              <a:t>训练数据，后</a:t>
+            </a:r>
+            <a:r>
+              <a:rPr lang="en-US" altLang="zh-CN" sz="2000" dirty="0" smtClean="0">
+                <a:latin typeface="+mn-ea"/>
+              </a:rPr>
+              <a:t>20%</a:t>
+            </a:r>
+            <a:r>
+              <a:rPr lang="zh-CN" altLang="en-US" sz="2000" dirty="0" smtClean="0">
+                <a:latin typeface="+mn-ea"/>
+              </a:rPr>
+              <a:t>为测试集</a:t>
+            </a:r>
+            <a:endParaRPr lang="en-US" altLang="zh-CN" sz="2000" dirty="0" smtClean="0">
+              <a:latin typeface="+mn-ea"/>
+            </a:endParaRPr>
+          </a:p>
+          <a:p>
+            <a:pPr>
+              <a:lnSpc>
+                <a:spcPct val="150000"/>
+              </a:lnSpc>
+            </a:pPr>
+            <a:r>
+              <a:rPr lang="zh-CN" altLang="en-US" sz="2000" dirty="0">
+                <a:latin typeface="+mn-ea"/>
+              </a:rPr>
+              <a:t>使</a:t>
+            </a:r>
+            <a:r>
+              <a:rPr lang="zh-CN" altLang="en-US" sz="2000" dirty="0" smtClean="0">
+                <a:latin typeface="+mn-ea"/>
+              </a:rPr>
+              <a:t>用相邻之间股价差异的对数值作为训练和测试数据</a:t>
+            </a:r>
+            <a:endParaRPr lang="en-US" sz="2000" dirty="0">
+              <a:latin typeface="+mn-ea"/>
+            </a:endParaRPr>
+          </a:p>
+        </p:txBody>
+      </p:sp>
+      <p:sp>
+        <p:nvSpPr>
+          <p:cNvPr id="4" name="Title 1"/>
+          <p:cNvSpPr txBox="1">
+            <a:spLocks/>
+          </p:cNvSpPr>
+          <p:nvPr/>
+        </p:nvSpPr>
+        <p:spPr>
+          <a:xfrm>
+            <a:off x="785446" y="3663"/>
+            <a:ext cx="10515600" cy="1325563"/>
+          </a:xfrm>
+          <a:prstGeom prst="rect">
+            <a:avLst/>
+          </a:prstGeom>
+        </p:spPr>
+        <p:txBody>
+          <a:bodyPr vert="horz" lIns="91440" tIns="45720" rIns="91440" bIns="45720" rtlCol="0" anchor="ctr">
+            <a:normAutofit/>
+          </a:bodyPr>
+          <a:lstStyle>
+            <a:lvl1pPr algn="l" defTabSz="914400" rtl="0" eaLnBrk="1" latinLnBrk="0" hangingPunct="1">
+              <a:lnSpc>
+                <a:spcPct val="90000"/>
+              </a:lnSpc>
+              <a:spcBef>
+                <a:spcPct val="0"/>
+              </a:spcBef>
+              <a:buNone/>
+              <a:defRPr sz="4400" kern="1200">
+                <a:solidFill>
+                  <a:schemeClr val="tx1"/>
+                </a:solidFill>
+                <a:latin typeface="+mj-lt"/>
+                <a:ea typeface="+mj-ea"/>
+                <a:cs typeface="+mj-cs"/>
+              </a:defRPr>
+            </a:lvl1pPr>
+          </a:lstStyle>
+          <a:p>
+            <a:r>
+              <a:rPr lang="zh-CN" altLang="en-US" sz="4000" dirty="0" smtClean="0">
+                <a:latin typeface="黑体" panose="02010609060101010101" pitchFamily="49" charset="-122"/>
+                <a:ea typeface="黑体" panose="02010609060101010101" pitchFamily="49" charset="-122"/>
+              </a:rPr>
+              <a:t>数据处</a:t>
+            </a:r>
+            <a:r>
+              <a:rPr lang="zh-CN" altLang="en-US" sz="4000" dirty="0">
+                <a:latin typeface="黑体" panose="02010609060101010101" pitchFamily="49" charset="-122"/>
+                <a:ea typeface="黑体" panose="02010609060101010101" pitchFamily="49" charset="-122"/>
+              </a:rPr>
+              <a:t>理</a:t>
+            </a:r>
+            <a:endParaRPr lang="en-US" sz="4000" dirty="0">
+              <a:latin typeface="黑体" panose="02010609060101010101" pitchFamily="49" charset="-122"/>
+              <a:ea typeface="黑体" panose="02010609060101010101" pitchFamily="49" charset="-122"/>
+            </a:endParaRPr>
+          </a:p>
+        </p:txBody>
+      </p:sp>
+      <p:cxnSp>
+        <p:nvCxnSpPr>
+          <p:cNvPr id="5" name="Straight Connector 4"/>
+          <p:cNvCxnSpPr/>
+          <p:nvPr/>
+        </p:nvCxnSpPr>
+        <p:spPr>
+          <a:xfrm>
+            <a:off x="732692" y="1087897"/>
+            <a:ext cx="10568354" cy="0"/>
+          </a:xfrm>
+          <a:prstGeom prst="line">
+            <a:avLst/>
+          </a:prstGeom>
+        </p:spPr>
+        <p:style>
+          <a:lnRef idx="1">
+            <a:schemeClr val="dk1"/>
+          </a:lnRef>
+          <a:fillRef idx="0">
+            <a:schemeClr val="dk1"/>
+          </a:fillRef>
+          <a:effectRef idx="0">
+            <a:schemeClr val="dk1"/>
+          </a:effectRef>
+          <a:fontRef idx="minor">
+            <a:schemeClr val="tx1"/>
+          </a:fontRef>
+        </p:style>
+      </p:cxnSp>
+      <p:sp>
+        <p:nvSpPr>
+          <p:cNvPr id="6" name="TextBox 5"/>
+          <p:cNvSpPr txBox="1"/>
+          <p:nvPr/>
+        </p:nvSpPr>
+        <p:spPr>
+          <a:xfrm>
+            <a:off x="5335880" y="6156079"/>
+            <a:ext cx="8129954" cy="553998"/>
+          </a:xfrm>
+          <a:prstGeom prst="rect">
+            <a:avLst/>
+          </a:prstGeom>
+          <a:noFill/>
+        </p:spPr>
+        <p:txBody>
+          <a:bodyPr wrap="square" rtlCol="0">
+            <a:spAutoFit/>
+          </a:bodyPr>
+          <a:lstStyle/>
+          <a:p>
+            <a:r>
+              <a:rPr lang="en-US" sz="1100" i="1" dirty="0">
+                <a:hlinkClick r:id="rId2"/>
+              </a:rPr>
+              <a:t>https://</a:t>
+            </a:r>
+            <a:r>
+              <a:rPr lang="en-US" sz="1100" i="1" dirty="0" smtClean="0">
+                <a:hlinkClick r:id="rId2"/>
+              </a:rPr>
+              <a:t>arxiv.org/abs/1904.08459</a:t>
+            </a:r>
+            <a:r>
+              <a:rPr lang="en-US" sz="1100" i="1" dirty="0" smtClean="0"/>
+              <a:t> </a:t>
+            </a:r>
+            <a:r>
+              <a:rPr lang="en-US" sz="1100" b="1" i="1" dirty="0" smtClean="0"/>
+              <a:t>Stock </a:t>
+            </a:r>
+            <a:r>
+              <a:rPr lang="en-US" sz="1100" b="1" i="1" dirty="0"/>
+              <a:t>Forecasting using M-Band Wavelet-Based SVR and RNN-LSTMs Models</a:t>
+            </a:r>
+          </a:p>
+          <a:p>
+            <a:endParaRPr lang="en-US" dirty="0"/>
+          </a:p>
+        </p:txBody>
+      </p:sp>
+      <p:pic>
+        <p:nvPicPr>
+          <p:cNvPr id="9" name="Picture 8"/>
+          <p:cNvPicPr>
+            <a:picLocks noChangeAspect="1"/>
+          </p:cNvPicPr>
+          <p:nvPr/>
+        </p:nvPicPr>
+        <p:blipFill>
+          <a:blip r:embed="rId3">
+            <a:extLst>
+              <a:ext uri="{28A0092B-C50C-407E-A947-70E740481C1C}">
+                <a14:useLocalDpi xmlns:a14="http://schemas.microsoft.com/office/drawing/2010/main" val="0"/>
+              </a:ext>
+            </a:extLst>
+          </a:blip>
+          <a:stretch>
+            <a:fillRect/>
+          </a:stretch>
+        </p:blipFill>
+        <p:spPr>
+          <a:xfrm>
+            <a:off x="5335880" y="1415489"/>
+            <a:ext cx="6154504" cy="3624793"/>
+          </a:xfrm>
+          <a:prstGeom prst="rect">
+            <a:avLst/>
+          </a:prstGeom>
+        </p:spPr>
+      </p:pic>
+    </p:spTree>
+    <p:extLst>
+      <p:ext uri="{BB962C8B-B14F-4D97-AF65-F5344CB8AC3E}">
+        <p14:creationId xmlns:p14="http://schemas.microsoft.com/office/powerpoint/2010/main" val="4277371851"/>
+      </p:ext>
+    </p:extLst>
+  </p:cSld>
+  <p:clrMapOvr>
+    <a:masterClrMapping/>
+  </p:clrMapOvr>
+</p:sld>
+</file>
+
+<file path=ppt/slides/slide5.xml><?xml version="1.0" encoding="utf-8"?>
+<p:sld xmlns:a="http://schemas.openxmlformats.org/drawingml/2006/main" xmlns:r="http://schemas.openxmlformats.org/officeDocument/2006/relationships" xmlns:p="http://schemas.openxmlformats.org/presentationml/2006/main">
+  <p:cSld>
+    <p:spTree>
+      <p:nvGrpSpPr>
+        <p:cNvPr id="1" name=""/>
+        <p:cNvGrpSpPr/>
+        <p:nvPr/>
+      </p:nvGrpSpPr>
+      <p:grpSpPr>
+        <a:xfrm>
+          <a:off x="0" y="0"/>
+          <a:ext cx="0" cy="0"/>
+          <a:chOff x="0" y="0"/>
+          <a:chExt cx="0" cy="0"/>
+        </a:xfrm>
+      </p:grpSpPr>
+      <p:pic>
+        <p:nvPicPr>
+          <p:cNvPr id="6" name="Content Placeholder 5"/>
+          <p:cNvPicPr>
+            <a:picLocks noGrp="1" noChangeAspect="1"/>
+          </p:cNvPicPr>
+          <p:nvPr>
+            <p:ph idx="1"/>
+          </p:nvPr>
+        </p:nvPicPr>
+        <p:blipFill rotWithShape="1">
+          <a:blip r:embed="rId2" cstate="print">
+            <a:extLst>
+              <a:ext uri="{28A0092B-C50C-407E-A947-70E740481C1C}">
+                <a14:useLocalDpi xmlns:a14="http://schemas.microsoft.com/office/drawing/2010/main" val="0"/>
+              </a:ext>
+            </a:extLst>
+          </a:blip>
+          <a:srcRect l="-850" t="198" r="50567" b="-198"/>
+          <a:stretch/>
+        </p:blipFill>
+        <p:spPr>
+          <a:xfrm>
+            <a:off x="6685472" y="1278997"/>
+            <a:ext cx="4330903" cy="5503431"/>
+          </a:xfrm>
+        </p:spPr>
+      </p:pic>
+      <p:sp>
+        <p:nvSpPr>
+          <p:cNvPr id="4" name="Title 1"/>
+          <p:cNvSpPr txBox="1">
+            <a:spLocks/>
+          </p:cNvSpPr>
+          <p:nvPr/>
+        </p:nvSpPr>
+        <p:spPr>
+          <a:xfrm>
+            <a:off x="785446" y="3663"/>
+            <a:ext cx="10515600" cy="1325563"/>
+          </a:xfrm>
+          <a:prstGeom prst="rect">
+            <a:avLst/>
+          </a:prstGeom>
+        </p:spPr>
+        <p:txBody>
+          <a:bodyPr vert="horz" lIns="91440" tIns="45720" rIns="91440" bIns="45720" rtlCol="0" anchor="ctr">
+            <a:normAutofit/>
+          </a:bodyPr>
+          <a:lstStyle>
+            <a:lvl1pPr algn="l" defTabSz="914400" rtl="0" eaLnBrk="1" latinLnBrk="0" hangingPunct="1">
+              <a:lnSpc>
+                <a:spcPct val="90000"/>
+              </a:lnSpc>
+              <a:spcBef>
+                <a:spcPct val="0"/>
+              </a:spcBef>
+              <a:buNone/>
+              <a:defRPr sz="4400" kern="1200">
+                <a:solidFill>
+                  <a:schemeClr val="tx1"/>
+                </a:solidFill>
+                <a:latin typeface="+mj-lt"/>
+                <a:ea typeface="+mj-ea"/>
+                <a:cs typeface="+mj-cs"/>
+              </a:defRPr>
+            </a:lvl1pPr>
+          </a:lstStyle>
+          <a:p>
+            <a:r>
+              <a:rPr lang="zh-CN" altLang="en-US" sz="4000" dirty="0">
+                <a:latin typeface="黑体" panose="02010609060101010101" pitchFamily="49" charset="-122"/>
+                <a:ea typeface="黑体" panose="02010609060101010101" pitchFamily="49" charset="-122"/>
+              </a:rPr>
+              <a:t>特</a:t>
+            </a:r>
+            <a:r>
+              <a:rPr lang="zh-CN" altLang="en-US" sz="4000" dirty="0" smtClean="0">
+                <a:latin typeface="黑体" panose="02010609060101010101" pitchFamily="49" charset="-122"/>
+                <a:ea typeface="黑体" panose="02010609060101010101" pitchFamily="49" charset="-122"/>
+              </a:rPr>
+              <a:t>征提取</a:t>
+            </a:r>
+            <a:endParaRPr lang="en-US" sz="4000" dirty="0">
+              <a:latin typeface="黑体" panose="02010609060101010101" pitchFamily="49" charset="-122"/>
+              <a:ea typeface="黑体" panose="02010609060101010101" pitchFamily="49" charset="-122"/>
+            </a:endParaRPr>
+          </a:p>
+        </p:txBody>
+      </p:sp>
+      <p:cxnSp>
+        <p:nvCxnSpPr>
+          <p:cNvPr id="5" name="Straight Connector 4"/>
+          <p:cNvCxnSpPr/>
+          <p:nvPr/>
+        </p:nvCxnSpPr>
+        <p:spPr>
+          <a:xfrm>
+            <a:off x="732692" y="1087897"/>
+            <a:ext cx="10568354" cy="0"/>
+          </a:xfrm>
+          <a:prstGeom prst="line">
+            <a:avLst/>
+          </a:prstGeom>
+        </p:spPr>
+        <p:style>
+          <a:lnRef idx="1">
+            <a:schemeClr val="dk1"/>
+          </a:lnRef>
+          <a:fillRef idx="0">
+            <a:schemeClr val="dk1"/>
+          </a:fillRef>
+          <a:effectRef idx="0">
+            <a:schemeClr val="dk1"/>
+          </a:effectRef>
+          <a:fontRef idx="minor">
+            <a:schemeClr val="tx1"/>
+          </a:fontRef>
+        </p:style>
+      </p:cxnSp>
+      <p:sp>
+        <p:nvSpPr>
+          <p:cNvPr id="7" name="Content Placeholder 2"/>
+          <p:cNvSpPr txBox="1">
+            <a:spLocks/>
+          </p:cNvSpPr>
+          <p:nvPr/>
+        </p:nvSpPr>
+        <p:spPr>
+          <a:xfrm>
+            <a:off x="1162485" y="1972273"/>
+            <a:ext cx="4189966" cy="4351338"/>
+          </a:xfrm>
+          <a:prstGeom prst="rect">
+            <a:avLst/>
+          </a:prstGeom>
+        </p:spPr>
+        <p:txBody>
+          <a:bodyPr vert="horz" lIns="91440" tIns="45720" rIns="91440" bIns="45720" rtlCol="0">
+            <a:normAutofit/>
+          </a:bodyPr>
+          <a:lstStyle>
+            <a:lvl1pPr marL="228600" indent="-228600" algn="l" defTabSz="914400" rtl="0" eaLnBrk="1" latinLnBrk="0" hangingPunct="1">
+              <a:lnSpc>
+                <a:spcPct val="90000"/>
+              </a:lnSpc>
+              <a:spcBef>
+                <a:spcPts val="1000"/>
+              </a:spcBef>
+              <a:buFont typeface="Arial" panose="020B0604020202020204" pitchFamily="34" charset="0"/>
+              <a:buChar char="•"/>
+              <a:defRPr sz="2800" kern="1200">
+                <a:solidFill>
+                  <a:schemeClr val="tx1"/>
+                </a:solidFill>
+                <a:latin typeface="+mn-lt"/>
+                <a:ea typeface="+mn-ea"/>
+                <a:cs typeface="+mn-cs"/>
+              </a:defRPr>
+            </a:lvl1pPr>
+            <a:lvl2pPr marL="685800" indent="-228600" algn="l" defTabSz="914400" rtl="0" eaLnBrk="1" latinLnBrk="0" hangingPunct="1">
+              <a:lnSpc>
+                <a:spcPct val="90000"/>
+              </a:lnSpc>
+              <a:spcBef>
+                <a:spcPts val="500"/>
+              </a:spcBef>
+              <a:buFont typeface="Arial" panose="020B0604020202020204" pitchFamily="34" charset="0"/>
+              <a:buChar char="•"/>
+              <a:defRPr sz="2400" kern="1200">
+                <a:solidFill>
+                  <a:schemeClr val="tx1"/>
+                </a:solidFill>
+                <a:latin typeface="+mn-lt"/>
+                <a:ea typeface="+mn-ea"/>
+                <a:cs typeface="+mn-cs"/>
+              </a:defRPr>
+            </a:lvl2pPr>
+            <a:lvl3pPr marL="1143000" indent="-228600" algn="l" defTabSz="914400" rtl="0" eaLnBrk="1" latinLnBrk="0" hangingPunct="1">
+              <a:lnSpc>
+                <a:spcPct val="90000"/>
+              </a:lnSpc>
+              <a:spcBef>
+                <a:spcPts val="500"/>
+              </a:spcBef>
+              <a:buFont typeface="Arial" panose="020B0604020202020204" pitchFamily="34" charset="0"/>
+              <a:buChar char="•"/>
+              <a:defRPr sz="2000" kern="1200">
+                <a:solidFill>
+                  <a:schemeClr val="tx1"/>
+                </a:solidFill>
+                <a:latin typeface="+mn-lt"/>
+                <a:ea typeface="+mn-ea"/>
+                <a:cs typeface="+mn-cs"/>
+              </a:defRPr>
+            </a:lvl3pPr>
+            <a:lvl4pPr marL="1600200" indent="-228600" algn="l" defTabSz="914400" rtl="0" eaLnBrk="1" latinLnBrk="0" hangingPunct="1">
+              <a:lnSpc>
+                <a:spcPct val="90000"/>
+              </a:lnSpc>
+              <a:spcBef>
+                <a:spcPts val="500"/>
+              </a:spcBef>
+              <a:buFont typeface="Arial" panose="020B0604020202020204" pitchFamily="34" charset="0"/>
+              <a:buChar char="•"/>
+              <a:defRPr sz="1800" kern="1200">
+                <a:solidFill>
+                  <a:schemeClr val="tx1"/>
+                </a:solidFill>
+                <a:latin typeface="+mn-lt"/>
+                <a:ea typeface="+mn-ea"/>
+                <a:cs typeface="+mn-cs"/>
+              </a:defRPr>
+            </a:lvl4pPr>
+            <a:lvl5pPr marL="2057400" indent="-228600" algn="l" defTabSz="914400" rtl="0" eaLnBrk="1" latinLnBrk="0" hangingPunct="1">
+              <a:lnSpc>
+                <a:spcPct val="90000"/>
+              </a:lnSpc>
+              <a:spcBef>
+                <a:spcPts val="500"/>
+              </a:spcBef>
+              <a:buFont typeface="Arial" panose="020B0604020202020204" pitchFamily="34" charset="0"/>
+              <a:buChar char="•"/>
+              <a:defRPr sz="1800" kern="1200">
+                <a:solidFill>
+                  <a:schemeClr val="tx1"/>
+                </a:solidFill>
+                <a:latin typeface="+mn-lt"/>
+                <a:ea typeface="+mn-ea"/>
+                <a:cs typeface="+mn-cs"/>
+              </a:defRPr>
+            </a:lvl5pPr>
+            <a:lvl6pPr marL="2514600" indent="-228600" algn="l" defTabSz="914400" rtl="0" eaLnBrk="1" latinLnBrk="0" hangingPunct="1">
+              <a:lnSpc>
+                <a:spcPct val="90000"/>
+              </a:lnSpc>
+              <a:spcBef>
+                <a:spcPts val="500"/>
+              </a:spcBef>
+              <a:buFont typeface="Arial" panose="020B0604020202020204" pitchFamily="34" charset="0"/>
+              <a:buChar char="•"/>
+              <a:defRPr sz="1800" kern="1200">
+                <a:solidFill>
+                  <a:schemeClr val="tx1"/>
+                </a:solidFill>
+                <a:latin typeface="+mn-lt"/>
+                <a:ea typeface="+mn-ea"/>
+                <a:cs typeface="+mn-cs"/>
+              </a:defRPr>
+            </a:lvl6pPr>
+            <a:lvl7pPr marL="2971800" indent="-228600" algn="l" defTabSz="914400" rtl="0" eaLnBrk="1" latinLnBrk="0" hangingPunct="1">
+              <a:lnSpc>
+                <a:spcPct val="90000"/>
+              </a:lnSpc>
+              <a:spcBef>
+                <a:spcPts val="500"/>
+              </a:spcBef>
+              <a:buFont typeface="Arial" panose="020B0604020202020204" pitchFamily="34" charset="0"/>
+              <a:buChar char="•"/>
+              <a:defRPr sz="1800" kern="1200">
+                <a:solidFill>
+                  <a:schemeClr val="tx1"/>
+                </a:solidFill>
+                <a:latin typeface="+mn-lt"/>
+                <a:ea typeface="+mn-ea"/>
+                <a:cs typeface="+mn-cs"/>
+              </a:defRPr>
+            </a:lvl7pPr>
+            <a:lvl8pPr marL="3429000" indent="-228600" algn="l" defTabSz="914400" rtl="0" eaLnBrk="1" latinLnBrk="0" hangingPunct="1">
+              <a:lnSpc>
+                <a:spcPct val="90000"/>
+              </a:lnSpc>
+              <a:spcBef>
+                <a:spcPts val="500"/>
+              </a:spcBef>
+              <a:buFont typeface="Arial" panose="020B0604020202020204" pitchFamily="34" charset="0"/>
+              <a:buChar char="•"/>
+              <a:defRPr sz="1800" kern="1200">
+                <a:solidFill>
+                  <a:schemeClr val="tx1"/>
+                </a:solidFill>
+                <a:latin typeface="+mn-lt"/>
+                <a:ea typeface="+mn-ea"/>
+                <a:cs typeface="+mn-cs"/>
+              </a:defRPr>
+            </a:lvl8pPr>
+            <a:lvl9pPr marL="3886200" indent="-228600" algn="l" defTabSz="914400" rtl="0" eaLnBrk="1" latinLnBrk="0" hangingPunct="1">
+              <a:lnSpc>
+                <a:spcPct val="90000"/>
+              </a:lnSpc>
+              <a:spcBef>
+                <a:spcPts val="500"/>
+              </a:spcBef>
+              <a:buFont typeface="Arial" panose="020B0604020202020204" pitchFamily="34" charset="0"/>
+              <a:buChar char="•"/>
+              <a:defRPr sz="1800" kern="1200">
+                <a:solidFill>
+                  <a:schemeClr val="tx1"/>
+                </a:solidFill>
+                <a:latin typeface="+mn-lt"/>
+                <a:ea typeface="+mn-ea"/>
+                <a:cs typeface="+mn-cs"/>
+              </a:defRPr>
+            </a:lvl9pPr>
+          </a:lstStyle>
+          <a:p>
+            <a:pPr>
+              <a:lnSpc>
+                <a:spcPct val="150000"/>
+              </a:lnSpc>
+            </a:pPr>
+            <a:r>
+              <a:rPr lang="zh-CN" altLang="en-US" sz="2000" dirty="0" smtClean="0">
+                <a:latin typeface="+mn-ea"/>
+              </a:rPr>
+              <a:t>采用栈式自编码器</a:t>
+            </a:r>
+            <a:endParaRPr lang="en-US" altLang="zh-CN" sz="2000" dirty="0" smtClean="0">
+              <a:latin typeface="+mn-ea"/>
+            </a:endParaRPr>
+          </a:p>
+          <a:p>
+            <a:pPr>
+              <a:lnSpc>
+                <a:spcPct val="150000"/>
+              </a:lnSpc>
+            </a:pPr>
+            <a:r>
+              <a:rPr lang="zh-CN" altLang="en-US" sz="2000" dirty="0">
+                <a:latin typeface="+mn-ea"/>
+              </a:rPr>
+              <a:t>编</a:t>
+            </a:r>
+            <a:r>
+              <a:rPr lang="zh-CN" altLang="en-US" sz="2000" dirty="0" smtClean="0">
+                <a:latin typeface="+mn-ea"/>
+              </a:rPr>
+              <a:t>码器从外到内数据分别为</a:t>
+            </a:r>
+            <a:r>
+              <a:rPr lang="en-US" altLang="zh-CN" sz="2000" dirty="0" smtClean="0">
+                <a:latin typeface="+mn-ea"/>
+              </a:rPr>
+              <a:t>55</a:t>
+            </a:r>
+            <a:r>
+              <a:rPr lang="zh-CN" altLang="en-US" sz="2000" dirty="0" smtClean="0">
+                <a:latin typeface="+mn-ea"/>
+              </a:rPr>
+              <a:t>，</a:t>
+            </a:r>
+            <a:r>
+              <a:rPr lang="en-US" altLang="zh-CN" sz="2000" dirty="0" smtClean="0">
+                <a:latin typeface="+mn-ea"/>
+              </a:rPr>
+              <a:t>40</a:t>
+            </a:r>
+            <a:r>
+              <a:rPr lang="zh-CN" altLang="en-US" sz="2000" dirty="0" smtClean="0">
+                <a:latin typeface="+mn-ea"/>
+              </a:rPr>
+              <a:t>，</a:t>
+            </a:r>
+            <a:r>
+              <a:rPr lang="en-US" altLang="zh-CN" sz="2000" dirty="0" smtClean="0">
+                <a:latin typeface="+mn-ea"/>
+              </a:rPr>
+              <a:t>30</a:t>
+            </a:r>
+            <a:r>
+              <a:rPr lang="zh-CN" altLang="en-US" sz="2000" dirty="0" smtClean="0">
+                <a:latin typeface="+mn-ea"/>
+              </a:rPr>
+              <a:t>，最后提取特征</a:t>
+            </a:r>
+            <a:r>
+              <a:rPr lang="en-US" altLang="zh-CN" sz="2000" dirty="0" smtClean="0">
+                <a:latin typeface="+mn-ea"/>
+              </a:rPr>
+              <a:t>20</a:t>
+            </a:r>
+            <a:r>
+              <a:rPr lang="zh-CN" altLang="en-US" sz="2000" dirty="0" smtClean="0">
+                <a:latin typeface="+mn-ea"/>
+              </a:rPr>
+              <a:t>维</a:t>
+            </a:r>
+            <a:endParaRPr lang="en-US" altLang="zh-CN" sz="2000" dirty="0" smtClean="0">
+              <a:latin typeface="+mn-ea"/>
+            </a:endParaRPr>
+          </a:p>
+          <a:p>
+            <a:pPr>
+              <a:lnSpc>
+                <a:spcPct val="150000"/>
+              </a:lnSpc>
+            </a:pPr>
+            <a:r>
+              <a:rPr lang="zh-CN" altLang="en-US" sz="2000" dirty="0">
+                <a:latin typeface="+mn-ea"/>
+              </a:rPr>
+              <a:t>利</a:t>
+            </a:r>
+            <a:r>
+              <a:rPr lang="zh-CN" altLang="en-US" sz="2000" dirty="0" smtClean="0">
+                <a:latin typeface="+mn-ea"/>
+              </a:rPr>
+              <a:t>用编码器对剩余数据进行加工</a:t>
+            </a:r>
+            <a:endParaRPr lang="en-US" sz="2000" dirty="0">
+              <a:latin typeface="+mn-ea"/>
+            </a:endParaRPr>
+          </a:p>
+        </p:txBody>
+      </p:sp>
+      <p:sp>
+        <p:nvSpPr>
+          <p:cNvPr id="8" name="TextBox 7"/>
+          <p:cNvSpPr txBox="1"/>
+          <p:nvPr/>
+        </p:nvSpPr>
+        <p:spPr>
+          <a:xfrm>
+            <a:off x="7185805" y="5702060"/>
+            <a:ext cx="629728" cy="276999"/>
+          </a:xfrm>
+          <a:prstGeom prst="rect">
+            <a:avLst/>
+          </a:prstGeom>
+          <a:noFill/>
+        </p:spPr>
+        <p:txBody>
+          <a:bodyPr wrap="square" rtlCol="0">
+            <a:spAutoFit/>
+          </a:bodyPr>
+          <a:lstStyle/>
+          <a:p>
+            <a:r>
+              <a:rPr lang="en-US" altLang="zh-CN" sz="1200" dirty="0" smtClean="0"/>
+              <a:t>55</a:t>
+            </a:r>
+            <a:endParaRPr lang="en-US" sz="1200" dirty="0"/>
+          </a:p>
+        </p:txBody>
+      </p:sp>
+      <p:sp>
+        <p:nvSpPr>
+          <p:cNvPr id="9" name="TextBox 8"/>
+          <p:cNvSpPr txBox="1"/>
+          <p:nvPr/>
+        </p:nvSpPr>
+        <p:spPr>
+          <a:xfrm>
+            <a:off x="7169989" y="5082194"/>
+            <a:ext cx="629728" cy="276999"/>
+          </a:xfrm>
+          <a:prstGeom prst="rect">
+            <a:avLst/>
+          </a:prstGeom>
+          <a:noFill/>
+        </p:spPr>
+        <p:txBody>
+          <a:bodyPr wrap="square" rtlCol="0">
+            <a:spAutoFit/>
+          </a:bodyPr>
+          <a:lstStyle/>
+          <a:p>
+            <a:r>
+              <a:rPr lang="en-US" altLang="zh-CN" sz="1200" dirty="0"/>
+              <a:t>4</a:t>
+            </a:r>
+            <a:r>
+              <a:rPr lang="en-US" altLang="zh-CN" sz="1200" dirty="0" smtClean="0"/>
+              <a:t>0</a:t>
+            </a:r>
+            <a:endParaRPr lang="en-US" sz="1200" dirty="0"/>
+          </a:p>
+        </p:txBody>
+      </p:sp>
+      <p:sp>
+        <p:nvSpPr>
+          <p:cNvPr id="10" name="TextBox 9"/>
+          <p:cNvSpPr txBox="1"/>
+          <p:nvPr/>
+        </p:nvSpPr>
+        <p:spPr>
+          <a:xfrm>
+            <a:off x="7185805" y="4417954"/>
+            <a:ext cx="629728" cy="276999"/>
+          </a:xfrm>
+          <a:prstGeom prst="rect">
+            <a:avLst/>
+          </a:prstGeom>
+          <a:noFill/>
+        </p:spPr>
+        <p:txBody>
+          <a:bodyPr wrap="square" rtlCol="0">
+            <a:spAutoFit/>
+          </a:bodyPr>
+          <a:lstStyle/>
+          <a:p>
+            <a:r>
+              <a:rPr lang="en-US" altLang="zh-CN" sz="1200" dirty="0"/>
+              <a:t>3</a:t>
+            </a:r>
+            <a:r>
+              <a:rPr lang="en-US" altLang="zh-CN" sz="1200" dirty="0" smtClean="0"/>
+              <a:t>0</a:t>
+            </a:r>
+            <a:endParaRPr lang="en-US" sz="1200" dirty="0"/>
+          </a:p>
+        </p:txBody>
+      </p:sp>
+      <p:sp>
+        <p:nvSpPr>
+          <p:cNvPr id="11" name="TextBox 10"/>
+          <p:cNvSpPr txBox="1"/>
+          <p:nvPr/>
+        </p:nvSpPr>
+        <p:spPr>
+          <a:xfrm>
+            <a:off x="7185805" y="3051301"/>
+            <a:ext cx="629728" cy="276999"/>
+          </a:xfrm>
+          <a:prstGeom prst="rect">
+            <a:avLst/>
+          </a:prstGeom>
+          <a:noFill/>
+        </p:spPr>
+        <p:txBody>
+          <a:bodyPr wrap="square" rtlCol="0">
+            <a:spAutoFit/>
+          </a:bodyPr>
+          <a:lstStyle/>
+          <a:p>
+            <a:r>
+              <a:rPr lang="en-US" altLang="zh-CN" sz="1200" dirty="0" smtClean="0"/>
+              <a:t>30</a:t>
+            </a:r>
+            <a:endParaRPr lang="en-US" sz="1200" dirty="0"/>
+          </a:p>
+        </p:txBody>
+      </p:sp>
+      <p:sp>
+        <p:nvSpPr>
+          <p:cNvPr id="12" name="TextBox 11"/>
+          <p:cNvSpPr txBox="1"/>
+          <p:nvPr/>
+        </p:nvSpPr>
+        <p:spPr>
+          <a:xfrm>
+            <a:off x="7185805" y="3753714"/>
+            <a:ext cx="598097" cy="276999"/>
+          </a:xfrm>
+          <a:prstGeom prst="rect">
+            <a:avLst/>
+          </a:prstGeom>
+          <a:noFill/>
+        </p:spPr>
+        <p:txBody>
+          <a:bodyPr wrap="square" rtlCol="0">
+            <a:spAutoFit/>
+          </a:bodyPr>
+          <a:lstStyle/>
+          <a:p>
+            <a:r>
+              <a:rPr lang="en-US" altLang="zh-CN" sz="1200" dirty="0" smtClean="0"/>
+              <a:t>20</a:t>
+            </a:r>
+            <a:endParaRPr lang="en-US" sz="1200" dirty="0"/>
+          </a:p>
+        </p:txBody>
+      </p:sp>
+      <p:sp>
+        <p:nvSpPr>
+          <p:cNvPr id="13" name="TextBox 12"/>
+          <p:cNvSpPr txBox="1"/>
+          <p:nvPr/>
+        </p:nvSpPr>
+        <p:spPr>
+          <a:xfrm>
+            <a:off x="7185805" y="2355790"/>
+            <a:ext cx="629728" cy="276999"/>
+          </a:xfrm>
+          <a:prstGeom prst="rect">
+            <a:avLst/>
+          </a:prstGeom>
+          <a:noFill/>
+        </p:spPr>
+        <p:txBody>
+          <a:bodyPr wrap="square" rtlCol="0">
+            <a:spAutoFit/>
+          </a:bodyPr>
+          <a:lstStyle/>
+          <a:p>
+            <a:r>
+              <a:rPr lang="en-US" altLang="zh-CN" sz="1200" dirty="0"/>
+              <a:t>4</a:t>
+            </a:r>
+            <a:r>
+              <a:rPr lang="en-US" altLang="zh-CN" sz="1200" dirty="0" smtClean="0"/>
+              <a:t>0</a:t>
+            </a:r>
+            <a:endParaRPr lang="en-US" sz="1200" dirty="0"/>
+          </a:p>
+        </p:txBody>
+      </p:sp>
+      <p:sp>
+        <p:nvSpPr>
+          <p:cNvPr id="14" name="TextBox 13"/>
+          <p:cNvSpPr txBox="1"/>
+          <p:nvPr/>
+        </p:nvSpPr>
+        <p:spPr>
+          <a:xfrm>
+            <a:off x="6958643" y="1767195"/>
+            <a:ext cx="629728" cy="276999"/>
+          </a:xfrm>
+          <a:prstGeom prst="rect">
+            <a:avLst/>
+          </a:prstGeom>
+          <a:noFill/>
+        </p:spPr>
+        <p:txBody>
+          <a:bodyPr wrap="square" rtlCol="0">
+            <a:spAutoFit/>
+          </a:bodyPr>
+          <a:lstStyle/>
+          <a:p>
+            <a:r>
+              <a:rPr lang="en-US" altLang="zh-CN" sz="1200" dirty="0" smtClean="0"/>
+              <a:t>55</a:t>
+            </a:r>
+            <a:endParaRPr lang="en-US" sz="1200" dirty="0"/>
+          </a:p>
+        </p:txBody>
+      </p:sp>
+    </p:spTree>
+    <p:extLst>
+      <p:ext uri="{BB962C8B-B14F-4D97-AF65-F5344CB8AC3E}">
+        <p14:creationId xmlns:p14="http://schemas.microsoft.com/office/powerpoint/2010/main" val="1357017349"/>
+      </p:ext>
+    </p:extLst>
+  </p:cSld>
+  <p:clrMapOvr>
+    <a:masterClrMapping/>
+  </p:clrMapOvr>
+</p:sld>
+</file>
+
+<file path=ppt/slides/slide6.xml><?xml version="1.0" encoding="utf-8"?>
+<p:sld xmlns:a="http://schemas.openxmlformats.org/drawingml/2006/main" xmlns:r="http://schemas.openxmlformats.org/officeDocument/2006/relationships" xmlns:p="http://schemas.openxmlformats.org/presentationml/2006/main">
+  <p:cSld>
+    <p:spTree>
+      <p:nvGrpSpPr>
+        <p:cNvPr id="1" name=""/>
+        <p:cNvGrpSpPr/>
+        <p:nvPr/>
+      </p:nvGrpSpPr>
+      <p:grpSpPr>
+        <a:xfrm>
+          <a:off x="0" y="0"/>
+          <a:ext cx="0" cy="0"/>
+          <a:chOff x="0" y="0"/>
+          <a:chExt cx="0" cy="0"/>
+        </a:xfrm>
+      </p:grpSpPr>
+      <p:sp>
+        <p:nvSpPr>
+          <p:cNvPr id="4" name="Title 1"/>
+          <p:cNvSpPr txBox="1">
+            <a:spLocks/>
+          </p:cNvSpPr>
+          <p:nvPr/>
+        </p:nvSpPr>
+        <p:spPr>
+          <a:xfrm>
+            <a:off x="785446" y="3663"/>
+            <a:ext cx="10515600" cy="1325563"/>
+          </a:xfrm>
+          <a:prstGeom prst="rect">
+            <a:avLst/>
+          </a:prstGeom>
+        </p:spPr>
+        <p:txBody>
+          <a:bodyPr vert="horz" lIns="91440" tIns="45720" rIns="91440" bIns="45720" rtlCol="0" anchor="ctr">
+            <a:normAutofit/>
+          </a:bodyPr>
+          <a:lstStyle>
+            <a:lvl1pPr algn="l" defTabSz="914400" rtl="0" eaLnBrk="1" latinLnBrk="0" hangingPunct="1">
+              <a:lnSpc>
+                <a:spcPct val="90000"/>
+              </a:lnSpc>
+              <a:spcBef>
+                <a:spcPct val="0"/>
+              </a:spcBef>
+              <a:buNone/>
+              <a:defRPr sz="4400" kern="1200">
+                <a:solidFill>
+                  <a:schemeClr val="tx1"/>
+                </a:solidFill>
+                <a:latin typeface="+mj-lt"/>
+                <a:ea typeface="+mj-ea"/>
+                <a:cs typeface="+mj-cs"/>
+              </a:defRPr>
+            </a:lvl1pPr>
+          </a:lstStyle>
+          <a:p>
+            <a:r>
+              <a:rPr lang="en-US" altLang="zh-CN" sz="4000" dirty="0" smtClean="0">
+                <a:latin typeface="黑体" panose="02010609060101010101" pitchFamily="49" charset="-122"/>
+                <a:ea typeface="黑体" panose="02010609060101010101" pitchFamily="49" charset="-122"/>
+              </a:rPr>
+              <a:t>LSTM</a:t>
+            </a:r>
+            <a:r>
+              <a:rPr lang="zh-CN" altLang="en-US" sz="4000" dirty="0" smtClean="0">
+                <a:latin typeface="黑体" panose="02010609060101010101" pitchFamily="49" charset="-122"/>
+                <a:ea typeface="黑体" panose="02010609060101010101" pitchFamily="49" charset="-122"/>
+              </a:rPr>
+              <a:t>模型</a:t>
+            </a:r>
+            <a:endParaRPr lang="en-US" sz="4000" dirty="0">
+              <a:latin typeface="黑体" panose="02010609060101010101" pitchFamily="49" charset="-122"/>
+              <a:ea typeface="黑体" panose="02010609060101010101" pitchFamily="49" charset="-122"/>
+            </a:endParaRPr>
+          </a:p>
+        </p:txBody>
+      </p:sp>
+      <p:cxnSp>
+        <p:nvCxnSpPr>
+          <p:cNvPr id="5" name="Straight Connector 4"/>
+          <p:cNvCxnSpPr/>
+          <p:nvPr/>
+        </p:nvCxnSpPr>
+        <p:spPr>
+          <a:xfrm>
+            <a:off x="732692" y="1087897"/>
+            <a:ext cx="10568354" cy="0"/>
+          </a:xfrm>
+          <a:prstGeom prst="line">
+            <a:avLst/>
+          </a:prstGeom>
+        </p:spPr>
+        <p:style>
+          <a:lnRef idx="1">
+            <a:schemeClr val="dk1"/>
+          </a:lnRef>
+          <a:fillRef idx="0">
+            <a:schemeClr val="dk1"/>
+          </a:fillRef>
+          <a:effectRef idx="0">
+            <a:schemeClr val="dk1"/>
+          </a:effectRef>
+          <a:fontRef idx="minor">
+            <a:schemeClr val="tx1"/>
+          </a:fontRef>
+        </p:style>
+      </p:cxnSp>
+      <p:pic>
+        <p:nvPicPr>
+          <p:cNvPr id="6" name="Picture 5"/>
+          <p:cNvPicPr>
+            <a:picLocks noChangeAspect="1"/>
+          </p:cNvPicPr>
+          <p:nvPr/>
+        </p:nvPicPr>
+        <p:blipFill rotWithShape="1">
+          <a:blip r:embed="rId2" cstate="print">
+            <a:extLst>
+              <a:ext uri="{28A0092B-C50C-407E-A947-70E740481C1C}">
+                <a14:useLocalDpi xmlns:a14="http://schemas.microsoft.com/office/drawing/2010/main" val="0"/>
+              </a:ext>
+            </a:extLst>
+          </a:blip>
+          <a:srcRect r="21764"/>
+          <a:stretch/>
+        </p:blipFill>
+        <p:spPr>
+          <a:xfrm>
+            <a:off x="7405694" y="2172132"/>
+            <a:ext cx="4374675" cy="3731997"/>
+          </a:xfrm>
+          <a:prstGeom prst="rect">
+            <a:avLst/>
+          </a:prstGeom>
+        </p:spPr>
+      </p:pic>
+      <p:pic>
+        <p:nvPicPr>
+          <p:cNvPr id="7" name="Picture 6"/>
+          <p:cNvPicPr>
+            <a:picLocks noChangeAspect="1"/>
+          </p:cNvPicPr>
+          <p:nvPr/>
+        </p:nvPicPr>
+        <p:blipFill>
+          <a:blip r:embed="rId3">
+            <a:extLst>
+              <a:ext uri="{28A0092B-C50C-407E-A947-70E740481C1C}">
+                <a14:useLocalDpi xmlns:a14="http://schemas.microsoft.com/office/drawing/2010/main" val="0"/>
+              </a:ext>
+            </a:extLst>
+          </a:blip>
+          <a:stretch>
+            <a:fillRect/>
+          </a:stretch>
+        </p:blipFill>
+        <p:spPr>
+          <a:xfrm>
+            <a:off x="872087" y="1540803"/>
+            <a:ext cx="1704975" cy="4276725"/>
+          </a:xfrm>
+          <a:prstGeom prst="rect">
+            <a:avLst/>
+          </a:prstGeom>
+        </p:spPr>
+      </p:pic>
+      <p:sp>
+        <p:nvSpPr>
+          <p:cNvPr id="8" name="Content Placeholder 2"/>
+          <p:cNvSpPr txBox="1">
+            <a:spLocks/>
+          </p:cNvSpPr>
+          <p:nvPr/>
+        </p:nvSpPr>
+        <p:spPr>
+          <a:xfrm>
+            <a:off x="2974033" y="1329226"/>
+            <a:ext cx="4189966" cy="5347619"/>
+          </a:xfrm>
+          <a:prstGeom prst="rect">
+            <a:avLst/>
+          </a:prstGeom>
+        </p:spPr>
+        <p:txBody>
+          <a:bodyPr vert="horz" lIns="91440" tIns="45720" rIns="91440" bIns="45720" rtlCol="0">
+            <a:normAutofit/>
+          </a:bodyPr>
+          <a:lstStyle>
+            <a:lvl1pPr marL="228600" indent="-228600" algn="l" defTabSz="914400" rtl="0" eaLnBrk="1" latinLnBrk="0" hangingPunct="1">
+              <a:lnSpc>
+                <a:spcPct val="90000"/>
+              </a:lnSpc>
+              <a:spcBef>
+                <a:spcPts val="1000"/>
+              </a:spcBef>
+              <a:buFont typeface="Arial" panose="020B0604020202020204" pitchFamily="34" charset="0"/>
+              <a:buChar char="•"/>
+              <a:defRPr sz="2800" kern="1200">
+                <a:solidFill>
+                  <a:schemeClr val="tx1"/>
+                </a:solidFill>
+                <a:latin typeface="+mn-lt"/>
+                <a:ea typeface="+mn-ea"/>
+                <a:cs typeface="+mn-cs"/>
+              </a:defRPr>
+            </a:lvl1pPr>
+            <a:lvl2pPr marL="685800" indent="-228600" algn="l" defTabSz="914400" rtl="0" eaLnBrk="1" latinLnBrk="0" hangingPunct="1">
+              <a:lnSpc>
+                <a:spcPct val="90000"/>
+              </a:lnSpc>
+              <a:spcBef>
+                <a:spcPts val="500"/>
+              </a:spcBef>
+              <a:buFont typeface="Arial" panose="020B0604020202020204" pitchFamily="34" charset="0"/>
+              <a:buChar char="•"/>
+              <a:defRPr sz="2400" kern="1200">
+                <a:solidFill>
+                  <a:schemeClr val="tx1"/>
+                </a:solidFill>
+                <a:latin typeface="+mn-lt"/>
+                <a:ea typeface="+mn-ea"/>
+                <a:cs typeface="+mn-cs"/>
+              </a:defRPr>
+            </a:lvl2pPr>
+            <a:lvl3pPr marL="1143000" indent="-228600" algn="l" defTabSz="914400" rtl="0" eaLnBrk="1" latinLnBrk="0" hangingPunct="1">
+              <a:lnSpc>
+                <a:spcPct val="90000"/>
+              </a:lnSpc>
+              <a:spcBef>
+                <a:spcPts val="500"/>
+              </a:spcBef>
+              <a:buFont typeface="Arial" panose="020B0604020202020204" pitchFamily="34" charset="0"/>
+              <a:buChar char="•"/>
+              <a:defRPr sz="2000" kern="1200">
+                <a:solidFill>
+                  <a:schemeClr val="tx1"/>
+                </a:solidFill>
+                <a:latin typeface="+mn-lt"/>
+                <a:ea typeface="+mn-ea"/>
+                <a:cs typeface="+mn-cs"/>
+              </a:defRPr>
+            </a:lvl3pPr>
+            <a:lvl4pPr marL="1600200" indent="-228600" algn="l" defTabSz="914400" rtl="0" eaLnBrk="1" latinLnBrk="0" hangingPunct="1">
+              <a:lnSpc>
+                <a:spcPct val="90000"/>
+              </a:lnSpc>
+              <a:spcBef>
+                <a:spcPts val="500"/>
+              </a:spcBef>
+              <a:buFont typeface="Arial" panose="020B0604020202020204" pitchFamily="34" charset="0"/>
+              <a:buChar char="•"/>
+              <a:defRPr sz="1800" kern="1200">
+                <a:solidFill>
+                  <a:schemeClr val="tx1"/>
+                </a:solidFill>
+                <a:latin typeface="+mn-lt"/>
+                <a:ea typeface="+mn-ea"/>
+                <a:cs typeface="+mn-cs"/>
+              </a:defRPr>
+            </a:lvl4pPr>
+            <a:lvl5pPr marL="2057400" indent="-228600" algn="l" defTabSz="914400" rtl="0" eaLnBrk="1" latinLnBrk="0" hangingPunct="1">
+              <a:lnSpc>
+                <a:spcPct val="90000"/>
+              </a:lnSpc>
+              <a:spcBef>
+                <a:spcPts val="500"/>
+              </a:spcBef>
+              <a:buFont typeface="Arial" panose="020B0604020202020204" pitchFamily="34" charset="0"/>
+              <a:buChar char="•"/>
+              <a:defRPr sz="1800" kern="1200">
+                <a:solidFill>
+                  <a:schemeClr val="tx1"/>
+                </a:solidFill>
+                <a:latin typeface="+mn-lt"/>
+                <a:ea typeface="+mn-ea"/>
+                <a:cs typeface="+mn-cs"/>
+              </a:defRPr>
+            </a:lvl5pPr>
+            <a:lvl6pPr marL="2514600" indent="-228600" algn="l" defTabSz="914400" rtl="0" eaLnBrk="1" latinLnBrk="0" hangingPunct="1">
+              <a:lnSpc>
+                <a:spcPct val="90000"/>
+              </a:lnSpc>
+              <a:spcBef>
+                <a:spcPts val="500"/>
+              </a:spcBef>
+              <a:buFont typeface="Arial" panose="020B0604020202020204" pitchFamily="34" charset="0"/>
+              <a:buChar char="•"/>
+              <a:defRPr sz="1800" kern="1200">
+                <a:solidFill>
+                  <a:schemeClr val="tx1"/>
+                </a:solidFill>
+                <a:latin typeface="+mn-lt"/>
+                <a:ea typeface="+mn-ea"/>
+                <a:cs typeface="+mn-cs"/>
+              </a:defRPr>
+            </a:lvl6pPr>
+            <a:lvl7pPr marL="2971800" indent="-228600" algn="l" defTabSz="914400" rtl="0" eaLnBrk="1" latinLnBrk="0" hangingPunct="1">
+              <a:lnSpc>
+                <a:spcPct val="90000"/>
+              </a:lnSpc>
+              <a:spcBef>
+                <a:spcPts val="500"/>
+              </a:spcBef>
+              <a:buFont typeface="Arial" panose="020B0604020202020204" pitchFamily="34" charset="0"/>
+              <a:buChar char="•"/>
+              <a:defRPr sz="1800" kern="1200">
+                <a:solidFill>
+                  <a:schemeClr val="tx1"/>
+                </a:solidFill>
+                <a:latin typeface="+mn-lt"/>
+                <a:ea typeface="+mn-ea"/>
+                <a:cs typeface="+mn-cs"/>
+              </a:defRPr>
+            </a:lvl7pPr>
+            <a:lvl8pPr marL="3429000" indent="-228600" algn="l" defTabSz="914400" rtl="0" eaLnBrk="1" latinLnBrk="0" hangingPunct="1">
+              <a:lnSpc>
+                <a:spcPct val="90000"/>
+              </a:lnSpc>
+              <a:spcBef>
+                <a:spcPts val="500"/>
+              </a:spcBef>
+              <a:buFont typeface="Arial" panose="020B0604020202020204" pitchFamily="34" charset="0"/>
+              <a:buChar char="•"/>
+              <a:defRPr sz="1800" kern="1200">
+                <a:solidFill>
+                  <a:schemeClr val="tx1"/>
+                </a:solidFill>
+                <a:latin typeface="+mn-lt"/>
+                <a:ea typeface="+mn-ea"/>
+                <a:cs typeface="+mn-cs"/>
+              </a:defRPr>
+            </a:lvl8pPr>
+            <a:lvl9pPr marL="3886200" indent="-228600" algn="l" defTabSz="914400" rtl="0" eaLnBrk="1" latinLnBrk="0" hangingPunct="1">
+              <a:lnSpc>
+                <a:spcPct val="90000"/>
+              </a:lnSpc>
+              <a:spcBef>
+                <a:spcPts val="500"/>
+              </a:spcBef>
+              <a:buFont typeface="Arial" panose="020B0604020202020204" pitchFamily="34" charset="0"/>
+              <a:buChar char="•"/>
+              <a:defRPr sz="1800" kern="1200">
+                <a:solidFill>
+                  <a:schemeClr val="tx1"/>
+                </a:solidFill>
+                <a:latin typeface="+mn-lt"/>
+                <a:ea typeface="+mn-ea"/>
+                <a:cs typeface="+mn-cs"/>
+              </a:defRPr>
+            </a:lvl9pPr>
+          </a:lstStyle>
+          <a:p>
+            <a:pPr>
+              <a:lnSpc>
+                <a:spcPct val="150000"/>
+              </a:lnSpc>
+            </a:pPr>
+            <a:r>
+              <a:rPr lang="zh-CN" altLang="en-US" sz="2000" dirty="0" smtClean="0">
+                <a:latin typeface="+mn-ea"/>
+              </a:rPr>
+              <a:t>输入：</a:t>
+            </a:r>
+            <a:r>
+              <a:rPr lang="en-US" altLang="zh-CN" sz="2000" dirty="0" smtClean="0">
+                <a:latin typeface="+mn-ea"/>
+              </a:rPr>
+              <a:t>20</a:t>
+            </a:r>
+            <a:r>
+              <a:rPr lang="zh-CN" altLang="en-US" sz="2000" dirty="0" smtClean="0">
+                <a:latin typeface="+mn-ea"/>
+              </a:rPr>
+              <a:t>维特征值</a:t>
+            </a:r>
+            <a:endParaRPr lang="en-US" altLang="zh-CN" sz="2000" dirty="0" smtClean="0">
+              <a:latin typeface="+mn-ea"/>
+            </a:endParaRPr>
+          </a:p>
+          <a:p>
+            <a:pPr>
+              <a:lnSpc>
+                <a:spcPct val="150000"/>
+              </a:lnSpc>
+            </a:pPr>
+            <a:r>
+              <a:rPr lang="zh-CN" altLang="en-US" sz="2000" dirty="0" smtClean="0">
+                <a:latin typeface="+mn-ea"/>
+              </a:rPr>
+              <a:t>第一层</a:t>
+            </a:r>
+            <a:r>
+              <a:rPr lang="en-US" altLang="zh-CN" sz="2000" dirty="0" smtClean="0">
+                <a:latin typeface="+mn-ea"/>
+              </a:rPr>
+              <a:t>LSTM</a:t>
+            </a:r>
+            <a:r>
+              <a:rPr lang="zh-CN" altLang="en-US" sz="2000" dirty="0" smtClean="0">
+                <a:latin typeface="+mn-ea"/>
+              </a:rPr>
+              <a:t>输出</a:t>
+            </a:r>
+            <a:r>
+              <a:rPr lang="en-US" altLang="zh-CN" sz="2000" dirty="0" smtClean="0">
+                <a:latin typeface="+mn-ea"/>
+              </a:rPr>
+              <a:t>5</a:t>
+            </a:r>
+            <a:r>
+              <a:rPr lang="zh-CN" altLang="en-US" sz="2000" dirty="0" smtClean="0">
+                <a:latin typeface="+mn-ea"/>
+              </a:rPr>
+              <a:t>维，</a:t>
+            </a:r>
+            <a:r>
+              <a:rPr lang="en-US" altLang="zh-CN" sz="2000" dirty="0" smtClean="0">
+                <a:latin typeface="+mn-ea"/>
+              </a:rPr>
+              <a:t>dense</a:t>
+            </a:r>
+            <a:r>
+              <a:rPr lang="zh-CN" altLang="en-US" sz="2000" dirty="0" smtClean="0">
+                <a:latin typeface="+mn-ea"/>
+              </a:rPr>
+              <a:t>输出</a:t>
+            </a:r>
+            <a:r>
+              <a:rPr lang="en-US" altLang="zh-CN" sz="2000" dirty="0" smtClean="0">
+                <a:latin typeface="+mn-ea"/>
+              </a:rPr>
+              <a:t>5</a:t>
+            </a:r>
+            <a:r>
+              <a:rPr lang="zh-CN" altLang="en-US" sz="2000" dirty="0" smtClean="0">
+                <a:latin typeface="+mn-ea"/>
+              </a:rPr>
+              <a:t>维，第二层</a:t>
+            </a:r>
+            <a:r>
+              <a:rPr lang="en-US" altLang="zh-CN" sz="2000" dirty="0" smtClean="0">
+                <a:latin typeface="+mn-ea"/>
+              </a:rPr>
+              <a:t>LSTM</a:t>
+            </a:r>
+            <a:r>
+              <a:rPr lang="zh-CN" altLang="en-US" sz="2000" dirty="0" smtClean="0">
+                <a:latin typeface="+mn-ea"/>
+              </a:rPr>
+              <a:t>输出</a:t>
+            </a:r>
+            <a:r>
+              <a:rPr lang="en-US" altLang="zh-CN" sz="2000" dirty="0" smtClean="0">
+                <a:latin typeface="+mn-ea"/>
+              </a:rPr>
+              <a:t>2</a:t>
+            </a:r>
+            <a:r>
+              <a:rPr lang="zh-CN" altLang="en-US" sz="2000" dirty="0" smtClean="0">
+                <a:latin typeface="+mn-ea"/>
+              </a:rPr>
+              <a:t>维，</a:t>
+            </a:r>
+            <a:r>
+              <a:rPr lang="en-US" altLang="zh-CN" sz="2000" dirty="0" smtClean="0">
+                <a:latin typeface="+mn-ea"/>
+              </a:rPr>
+              <a:t>dense</a:t>
+            </a:r>
+            <a:r>
+              <a:rPr lang="zh-CN" altLang="en-US" sz="2000" dirty="0" smtClean="0">
+                <a:latin typeface="+mn-ea"/>
+              </a:rPr>
+              <a:t>输出最终第二日收盘价差值的对数值</a:t>
+            </a:r>
+            <a:endParaRPr lang="en-US" altLang="zh-CN" sz="2000" dirty="0" smtClean="0">
+              <a:latin typeface="+mn-ea"/>
+            </a:endParaRPr>
+          </a:p>
+          <a:p>
+            <a:pPr>
+              <a:lnSpc>
+                <a:spcPct val="150000"/>
+              </a:lnSpc>
+            </a:pPr>
+            <a:r>
+              <a:rPr lang="zh-CN" altLang="en-US" sz="2000" dirty="0" smtClean="0">
+                <a:latin typeface="+mn-ea"/>
+              </a:rPr>
+              <a:t>每层采用</a:t>
+            </a:r>
+            <a:r>
+              <a:rPr lang="en-US" altLang="zh-CN" sz="2000" dirty="0" smtClean="0">
+                <a:latin typeface="+mn-ea"/>
+              </a:rPr>
+              <a:t>L2</a:t>
+            </a:r>
+            <a:r>
+              <a:rPr lang="zh-CN" altLang="en-US" sz="2000" dirty="0" smtClean="0">
+                <a:latin typeface="+mn-ea"/>
+              </a:rPr>
+              <a:t>正则化和</a:t>
+            </a:r>
+            <a:r>
+              <a:rPr lang="en-US" altLang="zh-CN" sz="2000" dirty="0" err="1" smtClean="0">
+                <a:latin typeface="+mn-ea"/>
+              </a:rPr>
+              <a:t>drop_out</a:t>
+            </a:r>
+            <a:endParaRPr lang="en-US" altLang="zh-CN" sz="2000" dirty="0" smtClean="0">
+              <a:latin typeface="+mn-ea"/>
+            </a:endParaRPr>
+          </a:p>
+          <a:p>
+            <a:pPr>
+              <a:lnSpc>
+                <a:spcPct val="150000"/>
+              </a:lnSpc>
+            </a:pPr>
+            <a:r>
+              <a:rPr lang="zh-CN" altLang="en-US" sz="2000" dirty="0">
+                <a:latin typeface="+mn-ea"/>
+              </a:rPr>
+              <a:t>优</a:t>
+            </a:r>
+            <a:r>
+              <a:rPr lang="zh-CN" altLang="en-US" sz="2000" dirty="0" smtClean="0">
+                <a:latin typeface="+mn-ea"/>
+              </a:rPr>
+              <a:t>化方法为</a:t>
+            </a:r>
+            <a:r>
+              <a:rPr lang="en-US" altLang="zh-CN" sz="2000" dirty="0" err="1" smtClean="0">
+                <a:latin typeface="+mn-ea"/>
+              </a:rPr>
+              <a:t>adam</a:t>
+            </a:r>
+            <a:r>
+              <a:rPr lang="zh-CN" altLang="en-US" sz="2000" dirty="0" smtClean="0">
+                <a:latin typeface="+mn-ea"/>
+              </a:rPr>
+              <a:t>，动态调整学习率和梯度</a:t>
+            </a:r>
+            <a:endParaRPr lang="en-US" altLang="zh-CN" sz="2000" dirty="0" smtClean="0">
+              <a:latin typeface="+mn-ea"/>
+            </a:endParaRPr>
+          </a:p>
+          <a:p>
+            <a:pPr>
+              <a:lnSpc>
+                <a:spcPct val="150000"/>
+              </a:lnSpc>
+            </a:pPr>
+            <a:r>
+              <a:rPr lang="zh-CN" altLang="en-US" sz="2000" dirty="0">
+                <a:latin typeface="+mn-ea"/>
+              </a:rPr>
+              <a:t>采</a:t>
+            </a:r>
+            <a:r>
+              <a:rPr lang="zh-CN" altLang="en-US" sz="2000" dirty="0" smtClean="0">
+                <a:latin typeface="+mn-ea"/>
+              </a:rPr>
+              <a:t>用</a:t>
+            </a:r>
+            <a:r>
+              <a:rPr lang="en-US" altLang="zh-CN" sz="2000" dirty="0" err="1" smtClean="0">
+                <a:latin typeface="+mn-ea"/>
+              </a:rPr>
+              <a:t>mean_square_loss</a:t>
+            </a:r>
+            <a:r>
+              <a:rPr lang="zh-CN" altLang="en-US" sz="2000" dirty="0" smtClean="0">
+                <a:latin typeface="+mn-ea"/>
+              </a:rPr>
+              <a:t>作为损失函数</a:t>
+            </a:r>
+            <a:endParaRPr lang="en-US" altLang="zh-CN" sz="2000" dirty="0" smtClean="0">
+              <a:latin typeface="+mn-ea"/>
+            </a:endParaRPr>
+          </a:p>
+          <a:p>
+            <a:pPr>
+              <a:lnSpc>
+                <a:spcPct val="150000"/>
+              </a:lnSpc>
+            </a:pPr>
+            <a:endParaRPr lang="en-US" sz="2000" dirty="0">
+              <a:latin typeface="+mn-ea"/>
+            </a:endParaRPr>
+          </a:p>
+        </p:txBody>
+      </p:sp>
+    </p:spTree>
+    <p:extLst>
+      <p:ext uri="{BB962C8B-B14F-4D97-AF65-F5344CB8AC3E}">
+        <p14:creationId xmlns:p14="http://schemas.microsoft.com/office/powerpoint/2010/main" val="1739917247"/>
+      </p:ext>
+    </p:extLst>
+  </p:cSld>
+  <p:clrMapOvr>
+    <a:masterClrMapping/>
+  </p:clrMapOvr>
+</p:sld>
+</file>
+
+<file path=ppt/slides/slide7.xml><?xml version="1.0" encoding="utf-8"?>
+<p:sld xmlns:a="http://schemas.openxmlformats.org/drawingml/2006/main" xmlns:r="http://schemas.openxmlformats.org/officeDocument/2006/relationships" xmlns:p="http://schemas.openxmlformats.org/presentationml/2006/main">
+  <p:cSld>
+    <p:spTree>
+      <p:nvGrpSpPr>
+        <p:cNvPr id="1" name=""/>
+        <p:cNvGrpSpPr/>
+        <p:nvPr/>
+      </p:nvGrpSpPr>
+      <p:grpSpPr>
+        <a:xfrm>
+          <a:off x="0" y="0"/>
+          <a:ext cx="0" cy="0"/>
+          <a:chOff x="0" y="0"/>
+          <a:chExt cx="0" cy="0"/>
+        </a:xfrm>
+      </p:grpSpPr>
+      <p:cxnSp>
+        <p:nvCxnSpPr>
+          <p:cNvPr id="4" name="Straight Connector 3"/>
+          <p:cNvCxnSpPr/>
+          <p:nvPr/>
+        </p:nvCxnSpPr>
+        <p:spPr>
+          <a:xfrm>
+            <a:off x="732692" y="1087897"/>
+            <a:ext cx="10568354" cy="0"/>
+          </a:xfrm>
+          <a:prstGeom prst="line">
+            <a:avLst/>
+          </a:prstGeom>
+        </p:spPr>
+        <p:style>
+          <a:lnRef idx="1">
+            <a:schemeClr val="dk1"/>
+          </a:lnRef>
+          <a:fillRef idx="0">
+            <a:schemeClr val="dk1"/>
+          </a:fillRef>
+          <a:effectRef idx="0">
+            <a:schemeClr val="dk1"/>
+          </a:effectRef>
+          <a:fontRef idx="minor">
+            <a:schemeClr val="tx1"/>
+          </a:fontRef>
+        </p:style>
+      </p:cxnSp>
+      <p:sp>
+        <p:nvSpPr>
+          <p:cNvPr id="5" name="Title 1"/>
+          <p:cNvSpPr txBox="1">
+            <a:spLocks/>
+          </p:cNvSpPr>
+          <p:nvPr/>
+        </p:nvSpPr>
+        <p:spPr>
+          <a:xfrm>
+            <a:off x="785446" y="3663"/>
+            <a:ext cx="10515600" cy="1325563"/>
+          </a:xfrm>
+          <a:prstGeom prst="rect">
+            <a:avLst/>
+          </a:prstGeom>
+        </p:spPr>
+        <p:txBody>
+          <a:bodyPr vert="horz" lIns="91440" tIns="45720" rIns="91440" bIns="45720" rtlCol="0" anchor="ctr">
+            <a:normAutofit/>
+          </a:bodyPr>
+          <a:lstStyle>
+            <a:lvl1pPr algn="l" defTabSz="914400" rtl="0" eaLnBrk="1" latinLnBrk="0" hangingPunct="1">
+              <a:lnSpc>
+                <a:spcPct val="90000"/>
+              </a:lnSpc>
+              <a:spcBef>
+                <a:spcPct val="0"/>
+              </a:spcBef>
+              <a:buNone/>
+              <a:defRPr sz="4400" kern="1200">
+                <a:solidFill>
+                  <a:schemeClr val="tx1"/>
+                </a:solidFill>
+                <a:latin typeface="+mj-lt"/>
+                <a:ea typeface="+mj-ea"/>
+                <a:cs typeface="+mj-cs"/>
+              </a:defRPr>
+            </a:lvl1pPr>
+          </a:lstStyle>
+          <a:p>
+            <a:r>
+              <a:rPr lang="zh-CN" altLang="en-US" sz="4000" dirty="0">
+                <a:latin typeface="黑体" panose="02010609060101010101" pitchFamily="49" charset="-122"/>
+                <a:ea typeface="黑体" panose="02010609060101010101" pitchFamily="49" charset="-122"/>
+              </a:rPr>
+              <a:t>训练</a:t>
+            </a:r>
+            <a:endParaRPr lang="en-US" sz="4000" dirty="0">
+              <a:latin typeface="黑体" panose="02010609060101010101" pitchFamily="49" charset="-122"/>
+              <a:ea typeface="黑体" panose="02010609060101010101" pitchFamily="49" charset="-122"/>
+            </a:endParaRPr>
+          </a:p>
+        </p:txBody>
+      </p:sp>
+      <p:pic>
+        <p:nvPicPr>
+          <p:cNvPr id="6" name="Picture 5"/>
+          <p:cNvPicPr>
+            <a:picLocks noChangeAspect="1"/>
+          </p:cNvPicPr>
+          <p:nvPr/>
+        </p:nvPicPr>
+        <p:blipFill>
+          <a:blip r:embed="rId2">
+            <a:extLst>
+              <a:ext uri="{28A0092B-C50C-407E-A947-70E740481C1C}">
+                <a14:useLocalDpi xmlns:a14="http://schemas.microsoft.com/office/drawing/2010/main" val="0"/>
+              </a:ext>
+            </a:extLst>
+          </a:blip>
+          <a:stretch>
+            <a:fillRect/>
+          </a:stretch>
+        </p:blipFill>
+        <p:spPr>
+          <a:xfrm>
+            <a:off x="6186852" y="1591405"/>
+            <a:ext cx="5509847" cy="4132385"/>
+          </a:xfrm>
+          <a:prstGeom prst="rect">
+            <a:avLst/>
+          </a:prstGeom>
+        </p:spPr>
+      </p:pic>
+      <p:pic>
+        <p:nvPicPr>
+          <p:cNvPr id="7" name="Picture 6"/>
+          <p:cNvPicPr>
+            <a:picLocks noChangeAspect="1"/>
+          </p:cNvPicPr>
+          <p:nvPr/>
+        </p:nvPicPr>
+        <p:blipFill>
+          <a:blip r:embed="rId3">
+            <a:extLst>
+              <a:ext uri="{28A0092B-C50C-407E-A947-70E740481C1C}">
+                <a14:useLocalDpi xmlns:a14="http://schemas.microsoft.com/office/drawing/2010/main" val="0"/>
+              </a:ext>
+            </a:extLst>
+          </a:blip>
+          <a:stretch>
+            <a:fillRect/>
+          </a:stretch>
+        </p:blipFill>
+        <p:spPr>
+          <a:xfrm>
+            <a:off x="298938" y="1503481"/>
+            <a:ext cx="5744308" cy="4308231"/>
+          </a:xfrm>
+          <a:prstGeom prst="rect">
+            <a:avLst/>
+          </a:prstGeom>
+        </p:spPr>
+      </p:pic>
+    </p:spTree>
+    <p:extLst>
+      <p:ext uri="{BB962C8B-B14F-4D97-AF65-F5344CB8AC3E}">
+        <p14:creationId xmlns:p14="http://schemas.microsoft.com/office/powerpoint/2010/main" val="2758389796"/>
+      </p:ext>
+    </p:extLst>
+  </p:cSld>
+  <p:clrMapOvr>
+    <a:masterClrMapping/>
+  </p:clrMapOvr>
+  <p:timing>
+    <p:tnLst>
+      <p:par>
+        <p:cTn id="1" dur="indefinite" restart="never" nodeType="tmRoot"/>
+      </p:par>
+    </p:tnLst>
+  </p:timing>
+</p:sld>
+</file>
+
+<file path=ppt/slides/slide8.xml><?xml version="1.0" encoding="utf-8"?>
+<p:sld xmlns:a="http://schemas.openxmlformats.org/drawingml/2006/main" xmlns:r="http://schemas.openxmlformats.org/officeDocument/2006/relationships" xmlns:p="http://schemas.openxmlformats.org/presentationml/2006/main">
+  <p:cSld>
+    <p:spTree>
+      <p:nvGrpSpPr>
+        <p:cNvPr id="1" name=""/>
+        <p:cNvGrpSpPr/>
+        <p:nvPr/>
+      </p:nvGrpSpPr>
+      <p:grpSpPr>
+        <a:xfrm>
+          <a:off x="0" y="0"/>
+          <a:ext cx="0" cy="0"/>
+          <a:chOff x="0" y="0"/>
+          <a:chExt cx="0" cy="0"/>
+        </a:xfrm>
+      </p:grpSpPr>
+      <p:pic>
+        <p:nvPicPr>
+          <p:cNvPr id="6" name="Content Placeholder 5"/>
+          <p:cNvPicPr>
+            <a:picLocks noGrp="1" noChangeAspect="1"/>
+          </p:cNvPicPr>
+          <p:nvPr>
+            <p:ph idx="1"/>
+          </p:nvPr>
+        </p:nvPicPr>
+        <p:blipFill>
+          <a:blip r:embed="rId2">
+            <a:extLst>
+              <a:ext uri="{28A0092B-C50C-407E-A947-70E740481C1C}">
+                <a14:useLocalDpi xmlns:a14="http://schemas.microsoft.com/office/drawing/2010/main" val="0"/>
+              </a:ext>
+            </a:extLst>
+          </a:blip>
+          <a:stretch>
+            <a:fillRect/>
+          </a:stretch>
+        </p:blipFill>
+        <p:spPr>
+          <a:xfrm>
+            <a:off x="1075592" y="1329226"/>
+            <a:ext cx="9519139" cy="4873602"/>
+          </a:xfrm>
+        </p:spPr>
+      </p:pic>
+      <p:sp>
+        <p:nvSpPr>
+          <p:cNvPr id="4" name="Title 1"/>
+          <p:cNvSpPr txBox="1">
+            <a:spLocks/>
+          </p:cNvSpPr>
+          <p:nvPr/>
+        </p:nvSpPr>
+        <p:spPr>
+          <a:xfrm>
+            <a:off x="785446" y="3663"/>
+            <a:ext cx="10515600" cy="1325563"/>
+          </a:xfrm>
+          <a:prstGeom prst="rect">
+            <a:avLst/>
+          </a:prstGeom>
+        </p:spPr>
+        <p:txBody>
+          <a:bodyPr vert="horz" lIns="91440" tIns="45720" rIns="91440" bIns="45720" rtlCol="0" anchor="ctr">
+            <a:normAutofit/>
+          </a:bodyPr>
+          <a:lstStyle>
+            <a:lvl1pPr algn="l" defTabSz="914400" rtl="0" eaLnBrk="1" latinLnBrk="0" hangingPunct="1">
+              <a:lnSpc>
+                <a:spcPct val="90000"/>
+              </a:lnSpc>
+              <a:spcBef>
+                <a:spcPct val="0"/>
+              </a:spcBef>
+              <a:buNone/>
+              <a:defRPr sz="4400" kern="1200">
+                <a:solidFill>
+                  <a:schemeClr val="tx1"/>
+                </a:solidFill>
+                <a:latin typeface="+mj-lt"/>
+                <a:ea typeface="+mj-ea"/>
+                <a:cs typeface="+mj-cs"/>
+              </a:defRPr>
+            </a:lvl1pPr>
+          </a:lstStyle>
+          <a:p>
+            <a:r>
+              <a:rPr lang="zh-CN" altLang="en-US" sz="4000" dirty="0" smtClean="0">
+                <a:latin typeface="黑体" panose="02010609060101010101" pitchFamily="49" charset="-122"/>
+                <a:ea typeface="黑体" panose="02010609060101010101" pitchFamily="49" charset="-122"/>
+              </a:rPr>
+              <a:t>结果</a:t>
+            </a:r>
+            <a:endParaRPr lang="en-US" sz="4000" dirty="0">
+              <a:latin typeface="黑体" panose="02010609060101010101" pitchFamily="49" charset="-122"/>
+              <a:ea typeface="黑体" panose="02010609060101010101" pitchFamily="49" charset="-122"/>
+            </a:endParaRPr>
+          </a:p>
+        </p:txBody>
+      </p:sp>
+      <p:cxnSp>
+        <p:nvCxnSpPr>
+          <p:cNvPr id="5" name="Straight Connector 4"/>
+          <p:cNvCxnSpPr/>
+          <p:nvPr/>
+        </p:nvCxnSpPr>
+        <p:spPr>
+          <a:xfrm>
+            <a:off x="732692" y="1087897"/>
+            <a:ext cx="10568354" cy="0"/>
+          </a:xfrm>
+          <a:prstGeom prst="line">
+            <a:avLst/>
+          </a:prstGeom>
+        </p:spPr>
+        <p:style>
+          <a:lnRef idx="1">
+            <a:schemeClr val="dk1"/>
+          </a:lnRef>
+          <a:fillRef idx="0">
+            <a:schemeClr val="dk1"/>
+          </a:fillRef>
+          <a:effectRef idx="0">
+            <a:schemeClr val="dk1"/>
+          </a:effectRef>
+          <a:fontRef idx="minor">
+            <a:schemeClr val="tx1"/>
+          </a:fontRef>
+        </p:style>
+      </p:cxnSp>
+    </p:spTree>
+    <p:extLst>
+      <p:ext uri="{BB962C8B-B14F-4D97-AF65-F5344CB8AC3E}">
+        <p14:creationId xmlns:p14="http://schemas.microsoft.com/office/powerpoint/2010/main" val="3561700559"/>
+      </p:ext>
+    </p:extLst>
+  </p:cSld>
+  <p:clrMapOvr>
+    <a:masterClrMapping/>
+  </p:clrMapOvr>
+</p:sld>
+</file>
+
+<file path=ppt/slides/slide9.xml><?xml version="1.0" encoding="utf-8"?>
+<p:sld xmlns:a="http://schemas.openxmlformats.org/drawingml/2006/main" xmlns:r="http://schemas.openxmlformats.org/officeDocument/2006/relationships" xmlns:p="http://schemas.openxmlformats.org/presentationml/2006/main">
+  <p:cSld>
+    <p:spTree>
+      <p:nvGrpSpPr>
+        <p:cNvPr id="1" name=""/>
+        <p:cNvGrpSpPr/>
+        <p:nvPr/>
+      </p:nvGrpSpPr>
+      <p:grpSpPr>
+        <a:xfrm>
+          <a:off x="0" y="0"/>
+          <a:ext cx="0" cy="0"/>
+          <a:chOff x="0" y="0"/>
+          <a:chExt cx="0" cy="0"/>
+        </a:xfrm>
+      </p:grpSpPr>
+      <p:cxnSp>
+        <p:nvCxnSpPr>
+          <p:cNvPr id="4" name="Straight Connector 3"/>
+          <p:cNvCxnSpPr/>
+          <p:nvPr/>
+        </p:nvCxnSpPr>
+        <p:spPr>
+          <a:xfrm>
+            <a:off x="732692" y="1087897"/>
+            <a:ext cx="10568354" cy="0"/>
+          </a:xfrm>
+          <a:prstGeom prst="line">
+            <a:avLst/>
+          </a:prstGeom>
+        </p:spPr>
+        <p:style>
+          <a:lnRef idx="1">
+            <a:schemeClr val="dk1"/>
+          </a:lnRef>
+          <a:fillRef idx="0">
+            <a:schemeClr val="dk1"/>
+          </a:fillRef>
+          <a:effectRef idx="0">
+            <a:schemeClr val="dk1"/>
+          </a:effectRef>
+          <a:fontRef idx="minor">
+            <a:schemeClr val="tx1"/>
+          </a:fontRef>
+        </p:style>
+      </p:cxnSp>
+      <p:sp>
+        <p:nvSpPr>
+          <p:cNvPr id="5" name="Title 1"/>
+          <p:cNvSpPr txBox="1">
+            <a:spLocks/>
+          </p:cNvSpPr>
+          <p:nvPr/>
+        </p:nvSpPr>
+        <p:spPr>
+          <a:xfrm>
+            <a:off x="785446" y="3663"/>
+            <a:ext cx="10515600" cy="1325563"/>
+          </a:xfrm>
+          <a:prstGeom prst="rect">
+            <a:avLst/>
+          </a:prstGeom>
+        </p:spPr>
+        <p:txBody>
+          <a:bodyPr vert="horz" lIns="91440" tIns="45720" rIns="91440" bIns="45720" rtlCol="0" anchor="ctr">
+            <a:normAutofit/>
+          </a:bodyPr>
+          <a:lstStyle>
+            <a:lvl1pPr algn="l" defTabSz="914400" rtl="0" eaLnBrk="1" latinLnBrk="0" hangingPunct="1">
+              <a:lnSpc>
+                <a:spcPct val="90000"/>
+              </a:lnSpc>
+              <a:spcBef>
+                <a:spcPct val="0"/>
+              </a:spcBef>
+              <a:buNone/>
+              <a:defRPr sz="4400" kern="1200">
+                <a:solidFill>
+                  <a:schemeClr val="tx1"/>
+                </a:solidFill>
+                <a:latin typeface="+mj-lt"/>
+                <a:ea typeface="+mj-ea"/>
+                <a:cs typeface="+mj-cs"/>
+              </a:defRPr>
+            </a:lvl1pPr>
+          </a:lstStyle>
+          <a:p>
+            <a:r>
+              <a:rPr lang="zh-CN" altLang="en-US" sz="4000" dirty="0" smtClean="0">
+                <a:latin typeface="黑体" panose="02010609060101010101" pitchFamily="49" charset="-122"/>
+                <a:ea typeface="黑体" panose="02010609060101010101" pitchFamily="49" charset="-122"/>
+              </a:rPr>
+              <a:t>结果</a:t>
+            </a:r>
+            <a:endParaRPr lang="en-US" sz="4000" dirty="0">
+              <a:latin typeface="黑体" panose="02010609060101010101" pitchFamily="49" charset="-122"/>
+              <a:ea typeface="黑体" panose="02010609060101010101" pitchFamily="49" charset="-122"/>
+            </a:endParaRPr>
+          </a:p>
+        </p:txBody>
+      </p:sp>
+      <p:pic>
+        <p:nvPicPr>
+          <p:cNvPr id="8" name="Picture 7"/>
+          <p:cNvPicPr>
+            <a:picLocks noChangeAspect="1"/>
+          </p:cNvPicPr>
+          <p:nvPr/>
+        </p:nvPicPr>
+        <p:blipFill>
+          <a:blip r:embed="rId2">
+            <a:extLst>
+              <a:ext uri="{28A0092B-C50C-407E-A947-70E740481C1C}">
+                <a14:useLocalDpi xmlns:a14="http://schemas.microsoft.com/office/drawing/2010/main" val="0"/>
+              </a:ext>
+            </a:extLst>
+          </a:blip>
+          <a:stretch>
+            <a:fillRect/>
+          </a:stretch>
+        </p:blipFill>
+        <p:spPr>
+          <a:xfrm>
+            <a:off x="1947495" y="1408358"/>
+            <a:ext cx="8138747" cy="4674795"/>
+          </a:xfrm>
+          <a:prstGeom prst="rect">
+            <a:avLst/>
+          </a:prstGeom>
+        </p:spPr>
+      </p:pic>
+    </p:spTree>
+    <p:extLst>
+      <p:ext uri="{BB962C8B-B14F-4D97-AF65-F5344CB8AC3E}">
+        <p14:creationId xmlns:p14="http://schemas.microsoft.com/office/powerpoint/2010/main" val="1915530178"/>
+      </p:ext>
+    </p:extLst>
+  </p:cSld>
+  <p:clrMapOvr>
+    <a:masterClrMapping/>
+  </p:clrMapOvr>
+  <p:timing>
+    <p:tnLst>
+      <p:par>
+        <p:cTn id="1" dur="indefinite" restart="never" nodeType="tmRoot"/>
+      </p:par>
+    </p:tnLst>
+  </p:timing>
 </p:sld>
 </file>
 
